--- a/Argument relation.pptx
+++ b/Argument relation.pptx
@@ -20,16 +20,30 @@
     <p:sldId id="265" r:id="rId15"/>
     <p:sldId id="266" r:id="rId16"/>
     <p:sldId id="267" r:id="rId17"/>
+    <p:sldId id="268" r:id="rId18"/>
+    <p:sldId id="269" r:id="rId19"/>
+    <p:sldId id="270" r:id="rId20"/>
+    <p:sldId id="271" r:id="rId21"/>
+    <p:sldId id="272" r:id="rId22"/>
+    <p:sldId id="273" r:id="rId23"/>
+    <p:sldId id="274" r:id="rId24"/>
+    <p:sldId id="275" r:id="rId25"/>
+    <p:sldId id="276" r:id="rId26"/>
+    <p:sldId id="277" r:id="rId27"/>
+    <p:sldId id="278" r:id="rId28"/>
+    <p:sldId id="279" r:id="rId29"/>
+    <p:sldId id="280" r:id="rId30"/>
+    <p:sldId id="281" r:id="rId31"/>
   </p:sldIdLst>
   <p:sldSz cy="5143500" cx="9144000"/>
   <p:notesSz cx="6858000" cy="9144000"/>
   <p:embeddedFontLst>
     <p:embeddedFont>
       <p:font typeface="Roboto"/>
-      <p:regular r:id="rId18"/>
-      <p:bold r:id="rId19"/>
-      <p:italic r:id="rId20"/>
-      <p:boldItalic r:id="rId21"/>
+      <p:regular r:id="rId32"/>
+      <p:bold r:id="rId33"/>
+      <p:italic r:id="rId34"/>
+      <p:boldItalic r:id="rId35"/>
     </p:embeddedFont>
   </p:embeddedFontLst>
   <p:defaultTextStyle>
@@ -1008,7 +1022,7 @@
   <p:cSld>
     <p:spTree>
       <p:nvGrpSpPr>
-        <p:cNvPr id="183" name="Shape 183"/>
+        <p:cNvPr id="195" name="Shape 195"/>
         <p:cNvGrpSpPr/>
         <p:nvPr/>
       </p:nvGrpSpPr>
@@ -1022,7 +1036,7 @@
       </p:grpSpPr>
       <p:sp>
         <p:nvSpPr>
-          <p:cNvPr id="184" name="Google Shape;184;g2d9f66cc2ff_0_290:notes"/>
+          <p:cNvPr id="196" name="Google Shape;196;g2de82d2d6f7_0_1:notes"/>
           <p:cNvSpPr/>
           <p:nvPr>
             <p:ph idx="2" type="sldImg"/>
@@ -1057,7 +1071,700 @@
       </p:sp>
       <p:sp>
         <p:nvSpPr>
-          <p:cNvPr id="185" name="Google Shape;185;g2d9f66cc2ff_0_290:notes"/>
+          <p:cNvPr id="197" name="Google Shape;197;g2de82d2d6f7_0_1:notes"/>
+          <p:cNvSpPr txBox="1"/>
+          <p:nvPr>
+            <p:ph idx="1" type="body"/>
+          </p:nvPr>
+        </p:nvSpPr>
+        <p:spPr>
+          <a:xfrm>
+            <a:off x="685800" y="4343400"/>
+            <a:ext cx="5486400" cy="4114800"/>
+          </a:xfrm>
+          <a:prstGeom prst="rect">
+            <a:avLst/>
+          </a:prstGeom>
+        </p:spPr>
+        <p:txBody>
+          <a:bodyPr anchorCtr="0" anchor="t" bIns="91425" lIns="91425" spcFirstLastPara="1" rIns="91425" wrap="square" tIns="91425">
+            <a:noAutofit/>
+          </a:bodyPr>
+          <a:lstStyle/>
+          <a:p>
+            <a:pPr indent="0" lvl="0" marL="0" rtl="0" algn="l">
+              <a:spcBef>
+                <a:spcPts val="0"/>
+              </a:spcBef>
+              <a:spcAft>
+                <a:spcPts val="0"/>
+              </a:spcAft>
+              <a:buNone/>
+            </a:pPr>
+            <a:r>
+              <a:t/>
+            </a:r>
+            <a:endParaRPr/>
+          </a:p>
+        </p:txBody>
+      </p:sp>
+    </p:spTree>
+  </p:cSld>
+  <p:clrMapOvr>
+    <a:masterClrMapping/>
+  </p:clrMapOvr>
+</p:notes>
+</file>
+
+<file path=ppt/notesSlides/notesSlide13.xml><?xml version="1.0" encoding="utf-8"?>
+<p:notes xmlns:a="http://schemas.openxmlformats.org/drawingml/2006/main" xmlns:r="http://schemas.openxmlformats.org/officeDocument/2006/relationships" xmlns:mc="http://schemas.openxmlformats.org/markup-compatibility/2006" xmlns:mv="urn:schemas-microsoft-com:mac:vml" xmlns:p="http://schemas.openxmlformats.org/presentationml/2006/main" xmlns:c="http://schemas.openxmlformats.org/drawingml/2006/chart" xmlns:dgm="http://schemas.openxmlformats.org/drawingml/2006/diagram" xmlns:o="urn:schemas-microsoft-com:office:office" xmlns:v="urn:schemas-microsoft-com:vml" xmlns:pvml="urn:schemas-microsoft-com:office:powerpoint" xmlns:com="http://schemas.openxmlformats.org/drawingml/2006/compatibility" xmlns:p14="http://schemas.microsoft.com/office/powerpoint/2010/main" xmlns:p15="http://schemas.microsoft.com/office/powerpoint/2012/main" xmlns:ahyp="http://schemas.microsoft.com/office/drawing/2018/hyperlinkcolor" showMasterPhAnim="0" showMasterSp="0">
+  <p:cSld>
+    <p:spTree>
+      <p:nvGrpSpPr>
+        <p:cNvPr id="203" name="Shape 203"/>
+        <p:cNvGrpSpPr/>
+        <p:nvPr/>
+      </p:nvGrpSpPr>
+      <p:grpSpPr>
+        <a:xfrm>
+          <a:off x="0" y="0"/>
+          <a:ext cx="0" cy="0"/>
+          <a:chOff x="0" y="0"/>
+          <a:chExt cx="0" cy="0"/>
+        </a:xfrm>
+      </p:grpSpPr>
+      <p:sp>
+        <p:nvSpPr>
+          <p:cNvPr id="204" name="Google Shape;204;g2de82d2d6f7_0_9:notes"/>
+          <p:cNvSpPr/>
+          <p:nvPr>
+            <p:ph idx="2" type="sldImg"/>
+          </p:nvPr>
+        </p:nvSpPr>
+        <p:spPr>
+          <a:xfrm>
+            <a:off x="381300" y="685800"/>
+            <a:ext cx="6096000" cy="3429000"/>
+          </a:xfrm>
+          <a:custGeom>
+            <a:rect b="b" l="l" r="r" t="t"/>
+            <a:pathLst>
+              <a:path extrusionOk="0" h="120000" w="120000">
+                <a:moveTo>
+                  <a:pt x="0" y="0"/>
+                </a:moveTo>
+                <a:lnTo>
+                  <a:pt x="120000" y="0"/>
+                </a:lnTo>
+                <a:lnTo>
+                  <a:pt x="120000" y="120000"/>
+                </a:lnTo>
+                <a:lnTo>
+                  <a:pt x="0" y="120000"/>
+                </a:lnTo>
+                <a:close/>
+              </a:path>
+            </a:pathLst>
+          </a:custGeom>
+        </p:spPr>
+      </p:sp>
+      <p:sp>
+        <p:nvSpPr>
+          <p:cNvPr id="205" name="Google Shape;205;g2de82d2d6f7_0_9:notes"/>
+          <p:cNvSpPr txBox="1"/>
+          <p:nvPr>
+            <p:ph idx="1" type="body"/>
+          </p:nvPr>
+        </p:nvSpPr>
+        <p:spPr>
+          <a:xfrm>
+            <a:off x="685800" y="4343400"/>
+            <a:ext cx="5486400" cy="4114800"/>
+          </a:xfrm>
+          <a:prstGeom prst="rect">
+            <a:avLst/>
+          </a:prstGeom>
+        </p:spPr>
+        <p:txBody>
+          <a:bodyPr anchorCtr="0" anchor="t" bIns="91425" lIns="91425" spcFirstLastPara="1" rIns="91425" wrap="square" tIns="91425">
+            <a:noAutofit/>
+          </a:bodyPr>
+          <a:lstStyle/>
+          <a:p>
+            <a:pPr indent="0" lvl="0" marL="0" rtl="0" algn="l">
+              <a:spcBef>
+                <a:spcPts val="0"/>
+              </a:spcBef>
+              <a:spcAft>
+                <a:spcPts val="0"/>
+              </a:spcAft>
+              <a:buNone/>
+            </a:pPr>
+            <a:r>
+              <a:t/>
+            </a:r>
+            <a:endParaRPr/>
+          </a:p>
+        </p:txBody>
+      </p:sp>
+    </p:spTree>
+  </p:cSld>
+  <p:clrMapOvr>
+    <a:masterClrMapping/>
+  </p:clrMapOvr>
+</p:notes>
+</file>
+
+<file path=ppt/notesSlides/notesSlide14.xml><?xml version="1.0" encoding="utf-8"?>
+<p:notes xmlns:a="http://schemas.openxmlformats.org/drawingml/2006/main" xmlns:r="http://schemas.openxmlformats.org/officeDocument/2006/relationships" xmlns:mc="http://schemas.openxmlformats.org/markup-compatibility/2006" xmlns:mv="urn:schemas-microsoft-com:mac:vml" xmlns:p="http://schemas.openxmlformats.org/presentationml/2006/main" xmlns:c="http://schemas.openxmlformats.org/drawingml/2006/chart" xmlns:dgm="http://schemas.openxmlformats.org/drawingml/2006/diagram" xmlns:o="urn:schemas-microsoft-com:office:office" xmlns:v="urn:schemas-microsoft-com:vml" xmlns:pvml="urn:schemas-microsoft-com:office:powerpoint" xmlns:com="http://schemas.openxmlformats.org/drawingml/2006/compatibility" xmlns:p14="http://schemas.microsoft.com/office/powerpoint/2010/main" xmlns:p15="http://schemas.microsoft.com/office/powerpoint/2012/main" xmlns:ahyp="http://schemas.microsoft.com/office/drawing/2018/hyperlinkcolor" showMasterPhAnim="0" showMasterSp="0">
+  <p:cSld>
+    <p:spTree>
+      <p:nvGrpSpPr>
+        <p:cNvPr id="210" name="Shape 210"/>
+        <p:cNvGrpSpPr/>
+        <p:nvPr/>
+      </p:nvGrpSpPr>
+      <p:grpSpPr>
+        <a:xfrm>
+          <a:off x="0" y="0"/>
+          <a:ext cx="0" cy="0"/>
+          <a:chOff x="0" y="0"/>
+          <a:chExt cx="0" cy="0"/>
+        </a:xfrm>
+      </p:grpSpPr>
+      <p:sp>
+        <p:nvSpPr>
+          <p:cNvPr id="211" name="Google Shape;211;g2de82d2d6f7_0_17:notes"/>
+          <p:cNvSpPr/>
+          <p:nvPr>
+            <p:ph idx="2" type="sldImg"/>
+          </p:nvPr>
+        </p:nvSpPr>
+        <p:spPr>
+          <a:xfrm>
+            <a:off x="381300" y="685800"/>
+            <a:ext cx="6096000" cy="3429000"/>
+          </a:xfrm>
+          <a:custGeom>
+            <a:rect b="b" l="l" r="r" t="t"/>
+            <a:pathLst>
+              <a:path extrusionOk="0" h="120000" w="120000">
+                <a:moveTo>
+                  <a:pt x="0" y="0"/>
+                </a:moveTo>
+                <a:lnTo>
+                  <a:pt x="120000" y="0"/>
+                </a:lnTo>
+                <a:lnTo>
+                  <a:pt x="120000" y="120000"/>
+                </a:lnTo>
+                <a:lnTo>
+                  <a:pt x="0" y="120000"/>
+                </a:lnTo>
+                <a:close/>
+              </a:path>
+            </a:pathLst>
+          </a:custGeom>
+        </p:spPr>
+      </p:sp>
+      <p:sp>
+        <p:nvSpPr>
+          <p:cNvPr id="212" name="Google Shape;212;g2de82d2d6f7_0_17:notes"/>
+          <p:cNvSpPr txBox="1"/>
+          <p:nvPr>
+            <p:ph idx="1" type="body"/>
+          </p:nvPr>
+        </p:nvSpPr>
+        <p:spPr>
+          <a:xfrm>
+            <a:off x="685800" y="4343400"/>
+            <a:ext cx="5486400" cy="4114800"/>
+          </a:xfrm>
+          <a:prstGeom prst="rect">
+            <a:avLst/>
+          </a:prstGeom>
+        </p:spPr>
+        <p:txBody>
+          <a:bodyPr anchorCtr="0" anchor="t" bIns="91425" lIns="91425" spcFirstLastPara="1" rIns="91425" wrap="square" tIns="91425">
+            <a:noAutofit/>
+          </a:bodyPr>
+          <a:lstStyle/>
+          <a:p>
+            <a:pPr indent="0" lvl="0" marL="0" rtl="0" algn="l">
+              <a:spcBef>
+                <a:spcPts val="0"/>
+              </a:spcBef>
+              <a:spcAft>
+                <a:spcPts val="0"/>
+              </a:spcAft>
+              <a:buNone/>
+            </a:pPr>
+            <a:r>
+              <a:t/>
+            </a:r>
+            <a:endParaRPr/>
+          </a:p>
+        </p:txBody>
+      </p:sp>
+    </p:spTree>
+  </p:cSld>
+  <p:clrMapOvr>
+    <a:masterClrMapping/>
+  </p:clrMapOvr>
+</p:notes>
+</file>
+
+<file path=ppt/notesSlides/notesSlide15.xml><?xml version="1.0" encoding="utf-8"?>
+<p:notes xmlns:a="http://schemas.openxmlformats.org/drawingml/2006/main" xmlns:r="http://schemas.openxmlformats.org/officeDocument/2006/relationships" xmlns:mc="http://schemas.openxmlformats.org/markup-compatibility/2006" xmlns:mv="urn:schemas-microsoft-com:mac:vml" xmlns:p="http://schemas.openxmlformats.org/presentationml/2006/main" xmlns:c="http://schemas.openxmlformats.org/drawingml/2006/chart" xmlns:dgm="http://schemas.openxmlformats.org/drawingml/2006/diagram" xmlns:o="urn:schemas-microsoft-com:office:office" xmlns:v="urn:schemas-microsoft-com:vml" xmlns:pvml="urn:schemas-microsoft-com:office:powerpoint" xmlns:com="http://schemas.openxmlformats.org/drawingml/2006/compatibility" xmlns:p14="http://schemas.microsoft.com/office/powerpoint/2010/main" xmlns:p15="http://schemas.microsoft.com/office/powerpoint/2012/main" xmlns:ahyp="http://schemas.microsoft.com/office/drawing/2018/hyperlinkcolor" showMasterPhAnim="0" showMasterSp="0">
+  <p:cSld>
+    <p:spTree>
+      <p:nvGrpSpPr>
+        <p:cNvPr id="216" name="Shape 216"/>
+        <p:cNvGrpSpPr/>
+        <p:nvPr/>
+      </p:nvGrpSpPr>
+      <p:grpSpPr>
+        <a:xfrm>
+          <a:off x="0" y="0"/>
+          <a:ext cx="0" cy="0"/>
+          <a:chOff x="0" y="0"/>
+          <a:chExt cx="0" cy="0"/>
+        </a:xfrm>
+      </p:grpSpPr>
+      <p:sp>
+        <p:nvSpPr>
+          <p:cNvPr id="217" name="Google Shape;217;g2de82d2d6f7_0_22:notes"/>
+          <p:cNvSpPr/>
+          <p:nvPr>
+            <p:ph idx="2" type="sldImg"/>
+          </p:nvPr>
+        </p:nvSpPr>
+        <p:spPr>
+          <a:xfrm>
+            <a:off x="381300" y="685800"/>
+            <a:ext cx="6096000" cy="3429000"/>
+          </a:xfrm>
+          <a:custGeom>
+            <a:rect b="b" l="l" r="r" t="t"/>
+            <a:pathLst>
+              <a:path extrusionOk="0" h="120000" w="120000">
+                <a:moveTo>
+                  <a:pt x="0" y="0"/>
+                </a:moveTo>
+                <a:lnTo>
+                  <a:pt x="120000" y="0"/>
+                </a:lnTo>
+                <a:lnTo>
+                  <a:pt x="120000" y="120000"/>
+                </a:lnTo>
+                <a:lnTo>
+                  <a:pt x="0" y="120000"/>
+                </a:lnTo>
+                <a:close/>
+              </a:path>
+            </a:pathLst>
+          </a:custGeom>
+        </p:spPr>
+      </p:sp>
+      <p:sp>
+        <p:nvSpPr>
+          <p:cNvPr id="218" name="Google Shape;218;g2de82d2d6f7_0_22:notes"/>
+          <p:cNvSpPr txBox="1"/>
+          <p:nvPr>
+            <p:ph idx="1" type="body"/>
+          </p:nvPr>
+        </p:nvSpPr>
+        <p:spPr>
+          <a:xfrm>
+            <a:off x="685800" y="4343400"/>
+            <a:ext cx="5486400" cy="4114800"/>
+          </a:xfrm>
+          <a:prstGeom prst="rect">
+            <a:avLst/>
+          </a:prstGeom>
+        </p:spPr>
+        <p:txBody>
+          <a:bodyPr anchorCtr="0" anchor="t" bIns="91425" lIns="91425" spcFirstLastPara="1" rIns="91425" wrap="square" tIns="91425">
+            <a:noAutofit/>
+          </a:bodyPr>
+          <a:lstStyle/>
+          <a:p>
+            <a:pPr indent="0" lvl="0" marL="0" rtl="0" algn="l">
+              <a:spcBef>
+                <a:spcPts val="0"/>
+              </a:spcBef>
+              <a:spcAft>
+                <a:spcPts val="0"/>
+              </a:spcAft>
+              <a:buNone/>
+            </a:pPr>
+            <a:r>
+              <a:t/>
+            </a:r>
+            <a:endParaRPr/>
+          </a:p>
+        </p:txBody>
+      </p:sp>
+    </p:spTree>
+  </p:cSld>
+  <p:clrMapOvr>
+    <a:masterClrMapping/>
+  </p:clrMapOvr>
+</p:notes>
+</file>
+
+<file path=ppt/notesSlides/notesSlide16.xml><?xml version="1.0" encoding="utf-8"?>
+<p:notes xmlns:a="http://schemas.openxmlformats.org/drawingml/2006/main" xmlns:r="http://schemas.openxmlformats.org/officeDocument/2006/relationships" xmlns:mc="http://schemas.openxmlformats.org/markup-compatibility/2006" xmlns:mv="urn:schemas-microsoft-com:mac:vml" xmlns:p="http://schemas.openxmlformats.org/presentationml/2006/main" xmlns:c="http://schemas.openxmlformats.org/drawingml/2006/chart" xmlns:dgm="http://schemas.openxmlformats.org/drawingml/2006/diagram" xmlns:o="urn:schemas-microsoft-com:office:office" xmlns:v="urn:schemas-microsoft-com:vml" xmlns:pvml="urn:schemas-microsoft-com:office:powerpoint" xmlns:com="http://schemas.openxmlformats.org/drawingml/2006/compatibility" xmlns:p14="http://schemas.microsoft.com/office/powerpoint/2010/main" xmlns:p15="http://schemas.microsoft.com/office/powerpoint/2012/main" xmlns:ahyp="http://schemas.microsoft.com/office/drawing/2018/hyperlinkcolor" showMasterPhAnim="0" showMasterSp="0">
+  <p:cSld>
+    <p:spTree>
+      <p:nvGrpSpPr>
+        <p:cNvPr id="222" name="Shape 222"/>
+        <p:cNvGrpSpPr/>
+        <p:nvPr/>
+      </p:nvGrpSpPr>
+      <p:grpSpPr>
+        <a:xfrm>
+          <a:off x="0" y="0"/>
+          <a:ext cx="0" cy="0"/>
+          <a:chOff x="0" y="0"/>
+          <a:chExt cx="0" cy="0"/>
+        </a:xfrm>
+      </p:grpSpPr>
+      <p:sp>
+        <p:nvSpPr>
+          <p:cNvPr id="223" name="Google Shape;223;g2de82d2d6f7_0_29:notes"/>
+          <p:cNvSpPr/>
+          <p:nvPr>
+            <p:ph idx="2" type="sldImg"/>
+          </p:nvPr>
+        </p:nvSpPr>
+        <p:spPr>
+          <a:xfrm>
+            <a:off x="381300" y="685800"/>
+            <a:ext cx="6096000" cy="3429000"/>
+          </a:xfrm>
+          <a:custGeom>
+            <a:rect b="b" l="l" r="r" t="t"/>
+            <a:pathLst>
+              <a:path extrusionOk="0" h="120000" w="120000">
+                <a:moveTo>
+                  <a:pt x="0" y="0"/>
+                </a:moveTo>
+                <a:lnTo>
+                  <a:pt x="120000" y="0"/>
+                </a:lnTo>
+                <a:lnTo>
+                  <a:pt x="120000" y="120000"/>
+                </a:lnTo>
+                <a:lnTo>
+                  <a:pt x="0" y="120000"/>
+                </a:lnTo>
+                <a:close/>
+              </a:path>
+            </a:pathLst>
+          </a:custGeom>
+        </p:spPr>
+      </p:sp>
+      <p:sp>
+        <p:nvSpPr>
+          <p:cNvPr id="224" name="Google Shape;224;g2de82d2d6f7_0_29:notes"/>
+          <p:cNvSpPr txBox="1"/>
+          <p:nvPr>
+            <p:ph idx="1" type="body"/>
+          </p:nvPr>
+        </p:nvSpPr>
+        <p:spPr>
+          <a:xfrm>
+            <a:off x="685800" y="4343400"/>
+            <a:ext cx="5486400" cy="4114800"/>
+          </a:xfrm>
+          <a:prstGeom prst="rect">
+            <a:avLst/>
+          </a:prstGeom>
+        </p:spPr>
+        <p:txBody>
+          <a:bodyPr anchorCtr="0" anchor="t" bIns="91425" lIns="91425" spcFirstLastPara="1" rIns="91425" wrap="square" tIns="91425">
+            <a:noAutofit/>
+          </a:bodyPr>
+          <a:lstStyle/>
+          <a:p>
+            <a:pPr indent="0" lvl="0" marL="0" rtl="0" algn="l">
+              <a:spcBef>
+                <a:spcPts val="0"/>
+              </a:spcBef>
+              <a:spcAft>
+                <a:spcPts val="0"/>
+              </a:spcAft>
+              <a:buNone/>
+            </a:pPr>
+            <a:r>
+              <a:t/>
+            </a:r>
+            <a:endParaRPr/>
+          </a:p>
+        </p:txBody>
+      </p:sp>
+    </p:spTree>
+  </p:cSld>
+  <p:clrMapOvr>
+    <a:masterClrMapping/>
+  </p:clrMapOvr>
+</p:notes>
+</file>
+
+<file path=ppt/notesSlides/notesSlide17.xml><?xml version="1.0" encoding="utf-8"?>
+<p:notes xmlns:a="http://schemas.openxmlformats.org/drawingml/2006/main" xmlns:r="http://schemas.openxmlformats.org/officeDocument/2006/relationships" xmlns:mc="http://schemas.openxmlformats.org/markup-compatibility/2006" xmlns:mv="urn:schemas-microsoft-com:mac:vml" xmlns:p="http://schemas.openxmlformats.org/presentationml/2006/main" xmlns:c="http://schemas.openxmlformats.org/drawingml/2006/chart" xmlns:dgm="http://schemas.openxmlformats.org/drawingml/2006/diagram" xmlns:o="urn:schemas-microsoft-com:office:office" xmlns:v="urn:schemas-microsoft-com:vml" xmlns:pvml="urn:schemas-microsoft-com:office:powerpoint" xmlns:com="http://schemas.openxmlformats.org/drawingml/2006/compatibility" xmlns:p14="http://schemas.microsoft.com/office/powerpoint/2010/main" xmlns:p15="http://schemas.microsoft.com/office/powerpoint/2012/main" xmlns:ahyp="http://schemas.microsoft.com/office/drawing/2018/hyperlinkcolor" showMasterPhAnim="0" showMasterSp="0">
+  <p:cSld>
+    <p:spTree>
+      <p:nvGrpSpPr>
+        <p:cNvPr id="231" name="Shape 231"/>
+        <p:cNvGrpSpPr/>
+        <p:nvPr/>
+      </p:nvGrpSpPr>
+      <p:grpSpPr>
+        <a:xfrm>
+          <a:off x="0" y="0"/>
+          <a:ext cx="0" cy="0"/>
+          <a:chOff x="0" y="0"/>
+          <a:chExt cx="0" cy="0"/>
+        </a:xfrm>
+      </p:grpSpPr>
+      <p:sp>
+        <p:nvSpPr>
+          <p:cNvPr id="232" name="Google Shape;232;g2de82d2d6f7_0_40:notes"/>
+          <p:cNvSpPr/>
+          <p:nvPr>
+            <p:ph idx="2" type="sldImg"/>
+          </p:nvPr>
+        </p:nvSpPr>
+        <p:spPr>
+          <a:xfrm>
+            <a:off x="381300" y="685800"/>
+            <a:ext cx="6096000" cy="3429000"/>
+          </a:xfrm>
+          <a:custGeom>
+            <a:rect b="b" l="l" r="r" t="t"/>
+            <a:pathLst>
+              <a:path extrusionOk="0" h="120000" w="120000">
+                <a:moveTo>
+                  <a:pt x="0" y="0"/>
+                </a:moveTo>
+                <a:lnTo>
+                  <a:pt x="120000" y="0"/>
+                </a:lnTo>
+                <a:lnTo>
+                  <a:pt x="120000" y="120000"/>
+                </a:lnTo>
+                <a:lnTo>
+                  <a:pt x="0" y="120000"/>
+                </a:lnTo>
+                <a:close/>
+              </a:path>
+            </a:pathLst>
+          </a:custGeom>
+        </p:spPr>
+      </p:sp>
+      <p:sp>
+        <p:nvSpPr>
+          <p:cNvPr id="233" name="Google Shape;233;g2de82d2d6f7_0_40:notes"/>
+          <p:cNvSpPr txBox="1"/>
+          <p:nvPr>
+            <p:ph idx="1" type="body"/>
+          </p:nvPr>
+        </p:nvSpPr>
+        <p:spPr>
+          <a:xfrm>
+            <a:off x="685800" y="4343400"/>
+            <a:ext cx="5486400" cy="4114800"/>
+          </a:xfrm>
+          <a:prstGeom prst="rect">
+            <a:avLst/>
+          </a:prstGeom>
+        </p:spPr>
+        <p:txBody>
+          <a:bodyPr anchorCtr="0" anchor="t" bIns="91425" lIns="91425" spcFirstLastPara="1" rIns="91425" wrap="square" tIns="91425">
+            <a:noAutofit/>
+          </a:bodyPr>
+          <a:lstStyle/>
+          <a:p>
+            <a:pPr indent="0" lvl="0" marL="0" rtl="0" algn="l">
+              <a:spcBef>
+                <a:spcPts val="0"/>
+              </a:spcBef>
+              <a:spcAft>
+                <a:spcPts val="0"/>
+              </a:spcAft>
+              <a:buNone/>
+            </a:pPr>
+            <a:r>
+              <a:t/>
+            </a:r>
+            <a:endParaRPr/>
+          </a:p>
+        </p:txBody>
+      </p:sp>
+    </p:spTree>
+  </p:cSld>
+  <p:clrMapOvr>
+    <a:masterClrMapping/>
+  </p:clrMapOvr>
+</p:notes>
+</file>
+
+<file path=ppt/notesSlides/notesSlide18.xml><?xml version="1.0" encoding="utf-8"?>
+<p:notes xmlns:a="http://schemas.openxmlformats.org/drawingml/2006/main" xmlns:r="http://schemas.openxmlformats.org/officeDocument/2006/relationships" xmlns:mc="http://schemas.openxmlformats.org/markup-compatibility/2006" xmlns:mv="urn:schemas-microsoft-com:mac:vml" xmlns:p="http://schemas.openxmlformats.org/presentationml/2006/main" xmlns:c="http://schemas.openxmlformats.org/drawingml/2006/chart" xmlns:dgm="http://schemas.openxmlformats.org/drawingml/2006/diagram" xmlns:o="urn:schemas-microsoft-com:office:office" xmlns:v="urn:schemas-microsoft-com:vml" xmlns:pvml="urn:schemas-microsoft-com:office:powerpoint" xmlns:com="http://schemas.openxmlformats.org/drawingml/2006/compatibility" xmlns:p14="http://schemas.microsoft.com/office/powerpoint/2010/main" xmlns:p15="http://schemas.microsoft.com/office/powerpoint/2012/main" xmlns:ahyp="http://schemas.microsoft.com/office/drawing/2018/hyperlinkcolor" showMasterPhAnim="0" showMasterSp="0">
+  <p:cSld>
+    <p:spTree>
+      <p:nvGrpSpPr>
+        <p:cNvPr id="240" name="Shape 240"/>
+        <p:cNvGrpSpPr/>
+        <p:nvPr/>
+      </p:nvGrpSpPr>
+      <p:grpSpPr>
+        <a:xfrm>
+          <a:off x="0" y="0"/>
+          <a:ext cx="0" cy="0"/>
+          <a:chOff x="0" y="0"/>
+          <a:chExt cx="0" cy="0"/>
+        </a:xfrm>
+      </p:grpSpPr>
+      <p:sp>
+        <p:nvSpPr>
+          <p:cNvPr id="241" name="Google Shape;241;g2de82d2d6f7_0_50:notes"/>
+          <p:cNvSpPr/>
+          <p:nvPr>
+            <p:ph idx="2" type="sldImg"/>
+          </p:nvPr>
+        </p:nvSpPr>
+        <p:spPr>
+          <a:xfrm>
+            <a:off x="381300" y="685800"/>
+            <a:ext cx="6096000" cy="3429000"/>
+          </a:xfrm>
+          <a:custGeom>
+            <a:rect b="b" l="l" r="r" t="t"/>
+            <a:pathLst>
+              <a:path extrusionOk="0" h="120000" w="120000">
+                <a:moveTo>
+                  <a:pt x="0" y="0"/>
+                </a:moveTo>
+                <a:lnTo>
+                  <a:pt x="120000" y="0"/>
+                </a:lnTo>
+                <a:lnTo>
+                  <a:pt x="120000" y="120000"/>
+                </a:lnTo>
+                <a:lnTo>
+                  <a:pt x="0" y="120000"/>
+                </a:lnTo>
+                <a:close/>
+              </a:path>
+            </a:pathLst>
+          </a:custGeom>
+        </p:spPr>
+      </p:sp>
+      <p:sp>
+        <p:nvSpPr>
+          <p:cNvPr id="242" name="Google Shape;242;g2de82d2d6f7_0_50:notes"/>
+          <p:cNvSpPr txBox="1"/>
+          <p:nvPr>
+            <p:ph idx="1" type="body"/>
+          </p:nvPr>
+        </p:nvSpPr>
+        <p:spPr>
+          <a:xfrm>
+            <a:off x="685800" y="4343400"/>
+            <a:ext cx="5486400" cy="4114800"/>
+          </a:xfrm>
+          <a:prstGeom prst="rect">
+            <a:avLst/>
+          </a:prstGeom>
+        </p:spPr>
+        <p:txBody>
+          <a:bodyPr anchorCtr="0" anchor="t" bIns="91425" lIns="91425" spcFirstLastPara="1" rIns="91425" wrap="square" tIns="91425">
+            <a:noAutofit/>
+          </a:bodyPr>
+          <a:lstStyle/>
+          <a:p>
+            <a:pPr indent="0" lvl="0" marL="0" rtl="0" algn="l">
+              <a:spcBef>
+                <a:spcPts val="0"/>
+              </a:spcBef>
+              <a:spcAft>
+                <a:spcPts val="0"/>
+              </a:spcAft>
+              <a:buNone/>
+            </a:pPr>
+            <a:r>
+              <a:t/>
+            </a:r>
+            <a:endParaRPr/>
+          </a:p>
+        </p:txBody>
+      </p:sp>
+    </p:spTree>
+  </p:cSld>
+  <p:clrMapOvr>
+    <a:masterClrMapping/>
+  </p:clrMapOvr>
+</p:notes>
+</file>
+
+<file path=ppt/notesSlides/notesSlide19.xml><?xml version="1.0" encoding="utf-8"?>
+<p:notes xmlns:a="http://schemas.openxmlformats.org/drawingml/2006/main" xmlns:r="http://schemas.openxmlformats.org/officeDocument/2006/relationships" xmlns:mc="http://schemas.openxmlformats.org/markup-compatibility/2006" xmlns:mv="urn:schemas-microsoft-com:mac:vml" xmlns:p="http://schemas.openxmlformats.org/presentationml/2006/main" xmlns:c="http://schemas.openxmlformats.org/drawingml/2006/chart" xmlns:dgm="http://schemas.openxmlformats.org/drawingml/2006/diagram" xmlns:o="urn:schemas-microsoft-com:office:office" xmlns:v="urn:schemas-microsoft-com:vml" xmlns:pvml="urn:schemas-microsoft-com:office:powerpoint" xmlns:com="http://schemas.openxmlformats.org/drawingml/2006/compatibility" xmlns:p14="http://schemas.microsoft.com/office/powerpoint/2010/main" xmlns:p15="http://schemas.microsoft.com/office/powerpoint/2012/main" xmlns:ahyp="http://schemas.microsoft.com/office/drawing/2018/hyperlinkcolor" showMasterPhAnim="0" showMasterSp="0">
+  <p:cSld>
+    <p:spTree>
+      <p:nvGrpSpPr>
+        <p:cNvPr id="249" name="Shape 249"/>
+        <p:cNvGrpSpPr/>
+        <p:nvPr/>
+      </p:nvGrpSpPr>
+      <p:grpSpPr>
+        <a:xfrm>
+          <a:off x="0" y="0"/>
+          <a:ext cx="0" cy="0"/>
+          <a:chOff x="0" y="0"/>
+          <a:chExt cx="0" cy="0"/>
+        </a:xfrm>
+      </p:grpSpPr>
+      <p:sp>
+        <p:nvSpPr>
+          <p:cNvPr id="250" name="Google Shape;250;g2d9f66cc2ff_0_290:notes"/>
+          <p:cNvSpPr/>
+          <p:nvPr>
+            <p:ph idx="2" type="sldImg"/>
+          </p:nvPr>
+        </p:nvSpPr>
+        <p:spPr>
+          <a:xfrm>
+            <a:off x="381300" y="685800"/>
+            <a:ext cx="6096000" cy="3429000"/>
+          </a:xfrm>
+          <a:custGeom>
+            <a:rect b="b" l="l" r="r" t="t"/>
+            <a:pathLst>
+              <a:path extrusionOk="0" h="120000" w="120000">
+                <a:moveTo>
+                  <a:pt x="0" y="0"/>
+                </a:moveTo>
+                <a:lnTo>
+                  <a:pt x="120000" y="0"/>
+                </a:lnTo>
+                <a:lnTo>
+                  <a:pt x="120000" y="120000"/>
+                </a:lnTo>
+                <a:lnTo>
+                  <a:pt x="0" y="120000"/>
+                </a:lnTo>
+                <a:close/>
+              </a:path>
+            </a:pathLst>
+          </a:custGeom>
+        </p:spPr>
+      </p:sp>
+      <p:sp>
+        <p:nvSpPr>
+          <p:cNvPr id="251" name="Google Shape;251;g2d9f66cc2ff_0_290:notes"/>
           <p:cNvSpPr txBox="1"/>
           <p:nvPr>
             <p:ph idx="1" type="body"/>
@@ -1157,6 +1864,699 @@
       <p:sp>
         <p:nvSpPr>
           <p:cNvPr id="57" name="Google Shape;57;g2d9f66cc2ff_0_135:notes"/>
+          <p:cNvSpPr txBox="1"/>
+          <p:nvPr>
+            <p:ph idx="1" type="body"/>
+          </p:nvPr>
+        </p:nvSpPr>
+        <p:spPr>
+          <a:xfrm>
+            <a:off x="685800" y="4343400"/>
+            <a:ext cx="5486400" cy="4114800"/>
+          </a:xfrm>
+          <a:prstGeom prst="rect">
+            <a:avLst/>
+          </a:prstGeom>
+        </p:spPr>
+        <p:txBody>
+          <a:bodyPr anchorCtr="0" anchor="t" bIns="91425" lIns="91425" spcFirstLastPara="1" rIns="91425" wrap="square" tIns="91425">
+            <a:noAutofit/>
+          </a:bodyPr>
+          <a:lstStyle/>
+          <a:p>
+            <a:pPr indent="0" lvl="0" marL="0" rtl="0" algn="l">
+              <a:spcBef>
+                <a:spcPts val="0"/>
+              </a:spcBef>
+              <a:spcAft>
+                <a:spcPts val="0"/>
+              </a:spcAft>
+              <a:buNone/>
+            </a:pPr>
+            <a:r>
+              <a:t/>
+            </a:r>
+            <a:endParaRPr/>
+          </a:p>
+        </p:txBody>
+      </p:sp>
+    </p:spTree>
+  </p:cSld>
+  <p:clrMapOvr>
+    <a:masterClrMapping/>
+  </p:clrMapOvr>
+</p:notes>
+</file>
+
+<file path=ppt/notesSlides/notesSlide20.xml><?xml version="1.0" encoding="utf-8"?>
+<p:notes xmlns:a="http://schemas.openxmlformats.org/drawingml/2006/main" xmlns:r="http://schemas.openxmlformats.org/officeDocument/2006/relationships" xmlns:mc="http://schemas.openxmlformats.org/markup-compatibility/2006" xmlns:mv="urn:schemas-microsoft-com:mac:vml" xmlns:p="http://schemas.openxmlformats.org/presentationml/2006/main" xmlns:c="http://schemas.openxmlformats.org/drawingml/2006/chart" xmlns:dgm="http://schemas.openxmlformats.org/drawingml/2006/diagram" xmlns:o="urn:schemas-microsoft-com:office:office" xmlns:v="urn:schemas-microsoft-com:vml" xmlns:pvml="urn:schemas-microsoft-com:office:powerpoint" xmlns:com="http://schemas.openxmlformats.org/drawingml/2006/compatibility" xmlns:p14="http://schemas.microsoft.com/office/powerpoint/2010/main" xmlns:p15="http://schemas.microsoft.com/office/powerpoint/2012/main" xmlns:ahyp="http://schemas.microsoft.com/office/drawing/2018/hyperlinkcolor" showMasterPhAnim="0" showMasterSp="0">
+  <p:cSld>
+    <p:spTree>
+      <p:nvGrpSpPr>
+        <p:cNvPr id="258" name="Shape 258"/>
+        <p:cNvGrpSpPr/>
+        <p:nvPr/>
+      </p:nvGrpSpPr>
+      <p:grpSpPr>
+        <a:xfrm>
+          <a:off x="0" y="0"/>
+          <a:ext cx="0" cy="0"/>
+          <a:chOff x="0" y="0"/>
+          <a:chExt cx="0" cy="0"/>
+        </a:xfrm>
+      </p:grpSpPr>
+      <p:sp>
+        <p:nvSpPr>
+          <p:cNvPr id="259" name="Google Shape;259;g2e2d717244c_0_8:notes"/>
+          <p:cNvSpPr/>
+          <p:nvPr>
+            <p:ph idx="2" type="sldImg"/>
+          </p:nvPr>
+        </p:nvSpPr>
+        <p:spPr>
+          <a:xfrm>
+            <a:off x="381300" y="685800"/>
+            <a:ext cx="6096000" cy="3429000"/>
+          </a:xfrm>
+          <a:custGeom>
+            <a:rect b="b" l="l" r="r" t="t"/>
+            <a:pathLst>
+              <a:path extrusionOk="0" h="120000" w="120000">
+                <a:moveTo>
+                  <a:pt x="0" y="0"/>
+                </a:moveTo>
+                <a:lnTo>
+                  <a:pt x="120000" y="0"/>
+                </a:lnTo>
+                <a:lnTo>
+                  <a:pt x="120000" y="120000"/>
+                </a:lnTo>
+                <a:lnTo>
+                  <a:pt x="0" y="120000"/>
+                </a:lnTo>
+                <a:close/>
+              </a:path>
+            </a:pathLst>
+          </a:custGeom>
+        </p:spPr>
+      </p:sp>
+      <p:sp>
+        <p:nvSpPr>
+          <p:cNvPr id="260" name="Google Shape;260;g2e2d717244c_0_8:notes"/>
+          <p:cNvSpPr txBox="1"/>
+          <p:nvPr>
+            <p:ph idx="1" type="body"/>
+          </p:nvPr>
+        </p:nvSpPr>
+        <p:spPr>
+          <a:xfrm>
+            <a:off x="685800" y="4343400"/>
+            <a:ext cx="5486400" cy="4114800"/>
+          </a:xfrm>
+          <a:prstGeom prst="rect">
+            <a:avLst/>
+          </a:prstGeom>
+        </p:spPr>
+        <p:txBody>
+          <a:bodyPr anchorCtr="0" anchor="t" bIns="91425" lIns="91425" spcFirstLastPara="1" rIns="91425" wrap="square" tIns="91425">
+            <a:noAutofit/>
+          </a:bodyPr>
+          <a:lstStyle/>
+          <a:p>
+            <a:pPr indent="0" lvl="0" marL="0" rtl="0" algn="l">
+              <a:spcBef>
+                <a:spcPts val="0"/>
+              </a:spcBef>
+              <a:spcAft>
+                <a:spcPts val="0"/>
+              </a:spcAft>
+              <a:buNone/>
+            </a:pPr>
+            <a:r>
+              <a:t/>
+            </a:r>
+            <a:endParaRPr/>
+          </a:p>
+        </p:txBody>
+      </p:sp>
+    </p:spTree>
+  </p:cSld>
+  <p:clrMapOvr>
+    <a:masterClrMapping/>
+  </p:clrMapOvr>
+</p:notes>
+</file>
+
+<file path=ppt/notesSlides/notesSlide21.xml><?xml version="1.0" encoding="utf-8"?>
+<p:notes xmlns:a="http://schemas.openxmlformats.org/drawingml/2006/main" xmlns:r="http://schemas.openxmlformats.org/officeDocument/2006/relationships" xmlns:mc="http://schemas.openxmlformats.org/markup-compatibility/2006" xmlns:mv="urn:schemas-microsoft-com:mac:vml" xmlns:p="http://schemas.openxmlformats.org/presentationml/2006/main" xmlns:c="http://schemas.openxmlformats.org/drawingml/2006/chart" xmlns:dgm="http://schemas.openxmlformats.org/drawingml/2006/diagram" xmlns:o="urn:schemas-microsoft-com:office:office" xmlns:v="urn:schemas-microsoft-com:vml" xmlns:pvml="urn:schemas-microsoft-com:office:powerpoint" xmlns:com="http://schemas.openxmlformats.org/drawingml/2006/compatibility" xmlns:p14="http://schemas.microsoft.com/office/powerpoint/2010/main" xmlns:p15="http://schemas.microsoft.com/office/powerpoint/2012/main" xmlns:ahyp="http://schemas.microsoft.com/office/drawing/2018/hyperlinkcolor" showMasterPhAnim="0" showMasterSp="0">
+  <p:cSld>
+    <p:spTree>
+      <p:nvGrpSpPr>
+        <p:cNvPr id="263" name="Shape 263"/>
+        <p:cNvGrpSpPr/>
+        <p:nvPr/>
+      </p:nvGrpSpPr>
+      <p:grpSpPr>
+        <a:xfrm>
+          <a:off x="0" y="0"/>
+          <a:ext cx="0" cy="0"/>
+          <a:chOff x="0" y="0"/>
+          <a:chExt cx="0" cy="0"/>
+        </a:xfrm>
+      </p:grpSpPr>
+      <p:sp>
+        <p:nvSpPr>
+          <p:cNvPr id="264" name="Google Shape;264;g2e2d717244c_0_12:notes"/>
+          <p:cNvSpPr/>
+          <p:nvPr>
+            <p:ph idx="2" type="sldImg"/>
+          </p:nvPr>
+        </p:nvSpPr>
+        <p:spPr>
+          <a:xfrm>
+            <a:off x="381300" y="685800"/>
+            <a:ext cx="6096000" cy="3429000"/>
+          </a:xfrm>
+          <a:custGeom>
+            <a:rect b="b" l="l" r="r" t="t"/>
+            <a:pathLst>
+              <a:path extrusionOk="0" h="120000" w="120000">
+                <a:moveTo>
+                  <a:pt x="0" y="0"/>
+                </a:moveTo>
+                <a:lnTo>
+                  <a:pt x="120000" y="0"/>
+                </a:lnTo>
+                <a:lnTo>
+                  <a:pt x="120000" y="120000"/>
+                </a:lnTo>
+                <a:lnTo>
+                  <a:pt x="0" y="120000"/>
+                </a:lnTo>
+                <a:close/>
+              </a:path>
+            </a:pathLst>
+          </a:custGeom>
+        </p:spPr>
+      </p:sp>
+      <p:sp>
+        <p:nvSpPr>
+          <p:cNvPr id="265" name="Google Shape;265;g2e2d717244c_0_12:notes"/>
+          <p:cNvSpPr txBox="1"/>
+          <p:nvPr>
+            <p:ph idx="1" type="body"/>
+          </p:nvPr>
+        </p:nvSpPr>
+        <p:spPr>
+          <a:xfrm>
+            <a:off x="685800" y="4343400"/>
+            <a:ext cx="5486400" cy="4114800"/>
+          </a:xfrm>
+          <a:prstGeom prst="rect">
+            <a:avLst/>
+          </a:prstGeom>
+        </p:spPr>
+        <p:txBody>
+          <a:bodyPr anchorCtr="0" anchor="t" bIns="91425" lIns="91425" spcFirstLastPara="1" rIns="91425" wrap="square" tIns="91425">
+            <a:noAutofit/>
+          </a:bodyPr>
+          <a:lstStyle/>
+          <a:p>
+            <a:pPr indent="0" lvl="0" marL="0" rtl="0" algn="l">
+              <a:spcBef>
+                <a:spcPts val="0"/>
+              </a:spcBef>
+              <a:spcAft>
+                <a:spcPts val="0"/>
+              </a:spcAft>
+              <a:buNone/>
+            </a:pPr>
+            <a:r>
+              <a:t/>
+            </a:r>
+            <a:endParaRPr/>
+          </a:p>
+        </p:txBody>
+      </p:sp>
+    </p:spTree>
+  </p:cSld>
+  <p:clrMapOvr>
+    <a:masterClrMapping/>
+  </p:clrMapOvr>
+</p:notes>
+</file>
+
+<file path=ppt/notesSlides/notesSlide22.xml><?xml version="1.0" encoding="utf-8"?>
+<p:notes xmlns:a="http://schemas.openxmlformats.org/drawingml/2006/main" xmlns:r="http://schemas.openxmlformats.org/officeDocument/2006/relationships" xmlns:mc="http://schemas.openxmlformats.org/markup-compatibility/2006" xmlns:mv="urn:schemas-microsoft-com:mac:vml" xmlns:p="http://schemas.openxmlformats.org/presentationml/2006/main" xmlns:c="http://schemas.openxmlformats.org/drawingml/2006/chart" xmlns:dgm="http://schemas.openxmlformats.org/drawingml/2006/diagram" xmlns:o="urn:schemas-microsoft-com:office:office" xmlns:v="urn:schemas-microsoft-com:vml" xmlns:pvml="urn:schemas-microsoft-com:office:powerpoint" xmlns:com="http://schemas.openxmlformats.org/drawingml/2006/compatibility" xmlns:p14="http://schemas.microsoft.com/office/powerpoint/2010/main" xmlns:p15="http://schemas.microsoft.com/office/powerpoint/2012/main" xmlns:ahyp="http://schemas.microsoft.com/office/drawing/2018/hyperlinkcolor" showMasterPhAnim="0" showMasterSp="0">
+  <p:cSld>
+    <p:spTree>
+      <p:nvGrpSpPr>
+        <p:cNvPr id="269" name="Shape 269"/>
+        <p:cNvGrpSpPr/>
+        <p:nvPr/>
+      </p:nvGrpSpPr>
+      <p:grpSpPr>
+        <a:xfrm>
+          <a:off x="0" y="0"/>
+          <a:ext cx="0" cy="0"/>
+          <a:chOff x="0" y="0"/>
+          <a:chExt cx="0" cy="0"/>
+        </a:xfrm>
+      </p:grpSpPr>
+      <p:sp>
+        <p:nvSpPr>
+          <p:cNvPr id="270" name="Google Shape;270;g2e2d717244c_0_36:notes"/>
+          <p:cNvSpPr/>
+          <p:nvPr>
+            <p:ph idx="2" type="sldImg"/>
+          </p:nvPr>
+        </p:nvSpPr>
+        <p:spPr>
+          <a:xfrm>
+            <a:off x="381300" y="685800"/>
+            <a:ext cx="6096000" cy="3429000"/>
+          </a:xfrm>
+          <a:custGeom>
+            <a:rect b="b" l="l" r="r" t="t"/>
+            <a:pathLst>
+              <a:path extrusionOk="0" h="120000" w="120000">
+                <a:moveTo>
+                  <a:pt x="0" y="0"/>
+                </a:moveTo>
+                <a:lnTo>
+                  <a:pt x="120000" y="0"/>
+                </a:lnTo>
+                <a:lnTo>
+                  <a:pt x="120000" y="120000"/>
+                </a:lnTo>
+                <a:lnTo>
+                  <a:pt x="0" y="120000"/>
+                </a:lnTo>
+                <a:close/>
+              </a:path>
+            </a:pathLst>
+          </a:custGeom>
+        </p:spPr>
+      </p:sp>
+      <p:sp>
+        <p:nvSpPr>
+          <p:cNvPr id="271" name="Google Shape;271;g2e2d717244c_0_36:notes"/>
+          <p:cNvSpPr txBox="1"/>
+          <p:nvPr>
+            <p:ph idx="1" type="body"/>
+          </p:nvPr>
+        </p:nvSpPr>
+        <p:spPr>
+          <a:xfrm>
+            <a:off x="685800" y="4343400"/>
+            <a:ext cx="5486400" cy="4114800"/>
+          </a:xfrm>
+          <a:prstGeom prst="rect">
+            <a:avLst/>
+          </a:prstGeom>
+        </p:spPr>
+        <p:txBody>
+          <a:bodyPr anchorCtr="0" anchor="t" bIns="91425" lIns="91425" spcFirstLastPara="1" rIns="91425" wrap="square" tIns="91425">
+            <a:noAutofit/>
+          </a:bodyPr>
+          <a:lstStyle/>
+          <a:p>
+            <a:pPr indent="0" lvl="0" marL="0" rtl="0" algn="l">
+              <a:spcBef>
+                <a:spcPts val="0"/>
+              </a:spcBef>
+              <a:spcAft>
+                <a:spcPts val="0"/>
+              </a:spcAft>
+              <a:buNone/>
+            </a:pPr>
+            <a:r>
+              <a:t/>
+            </a:r>
+            <a:endParaRPr/>
+          </a:p>
+        </p:txBody>
+      </p:sp>
+    </p:spTree>
+  </p:cSld>
+  <p:clrMapOvr>
+    <a:masterClrMapping/>
+  </p:clrMapOvr>
+</p:notes>
+</file>
+
+<file path=ppt/notesSlides/notesSlide23.xml><?xml version="1.0" encoding="utf-8"?>
+<p:notes xmlns:a="http://schemas.openxmlformats.org/drawingml/2006/main" xmlns:r="http://schemas.openxmlformats.org/officeDocument/2006/relationships" xmlns:mc="http://schemas.openxmlformats.org/markup-compatibility/2006" xmlns:mv="urn:schemas-microsoft-com:mac:vml" xmlns:p="http://schemas.openxmlformats.org/presentationml/2006/main" xmlns:c="http://schemas.openxmlformats.org/drawingml/2006/chart" xmlns:dgm="http://schemas.openxmlformats.org/drawingml/2006/diagram" xmlns:o="urn:schemas-microsoft-com:office:office" xmlns:v="urn:schemas-microsoft-com:vml" xmlns:pvml="urn:schemas-microsoft-com:office:powerpoint" xmlns:com="http://schemas.openxmlformats.org/drawingml/2006/compatibility" xmlns:p14="http://schemas.microsoft.com/office/powerpoint/2010/main" xmlns:p15="http://schemas.microsoft.com/office/powerpoint/2012/main" xmlns:ahyp="http://schemas.microsoft.com/office/drawing/2018/hyperlinkcolor" showMasterPhAnim="0" showMasterSp="0">
+  <p:cSld>
+    <p:spTree>
+      <p:nvGrpSpPr>
+        <p:cNvPr id="275" name="Shape 275"/>
+        <p:cNvGrpSpPr/>
+        <p:nvPr/>
+      </p:nvGrpSpPr>
+      <p:grpSpPr>
+        <a:xfrm>
+          <a:off x="0" y="0"/>
+          <a:ext cx="0" cy="0"/>
+          <a:chOff x="0" y="0"/>
+          <a:chExt cx="0" cy="0"/>
+        </a:xfrm>
+      </p:grpSpPr>
+      <p:sp>
+        <p:nvSpPr>
+          <p:cNvPr id="276" name="Google Shape;276;g2e2d717244c_0_43:notes"/>
+          <p:cNvSpPr/>
+          <p:nvPr>
+            <p:ph idx="2" type="sldImg"/>
+          </p:nvPr>
+        </p:nvSpPr>
+        <p:spPr>
+          <a:xfrm>
+            <a:off x="381300" y="685800"/>
+            <a:ext cx="6096000" cy="3429000"/>
+          </a:xfrm>
+          <a:custGeom>
+            <a:rect b="b" l="l" r="r" t="t"/>
+            <a:pathLst>
+              <a:path extrusionOk="0" h="120000" w="120000">
+                <a:moveTo>
+                  <a:pt x="0" y="0"/>
+                </a:moveTo>
+                <a:lnTo>
+                  <a:pt x="120000" y="0"/>
+                </a:lnTo>
+                <a:lnTo>
+                  <a:pt x="120000" y="120000"/>
+                </a:lnTo>
+                <a:lnTo>
+                  <a:pt x="0" y="120000"/>
+                </a:lnTo>
+                <a:close/>
+              </a:path>
+            </a:pathLst>
+          </a:custGeom>
+        </p:spPr>
+      </p:sp>
+      <p:sp>
+        <p:nvSpPr>
+          <p:cNvPr id="277" name="Google Shape;277;g2e2d717244c_0_43:notes"/>
+          <p:cNvSpPr txBox="1"/>
+          <p:nvPr>
+            <p:ph idx="1" type="body"/>
+          </p:nvPr>
+        </p:nvSpPr>
+        <p:spPr>
+          <a:xfrm>
+            <a:off x="685800" y="4343400"/>
+            <a:ext cx="5486400" cy="4114800"/>
+          </a:xfrm>
+          <a:prstGeom prst="rect">
+            <a:avLst/>
+          </a:prstGeom>
+        </p:spPr>
+        <p:txBody>
+          <a:bodyPr anchorCtr="0" anchor="t" bIns="91425" lIns="91425" spcFirstLastPara="1" rIns="91425" wrap="square" tIns="91425">
+            <a:noAutofit/>
+          </a:bodyPr>
+          <a:lstStyle/>
+          <a:p>
+            <a:pPr indent="0" lvl="0" marL="0" rtl="0" algn="l">
+              <a:spcBef>
+                <a:spcPts val="0"/>
+              </a:spcBef>
+              <a:spcAft>
+                <a:spcPts val="0"/>
+              </a:spcAft>
+              <a:buNone/>
+            </a:pPr>
+            <a:r>
+              <a:t/>
+            </a:r>
+            <a:endParaRPr/>
+          </a:p>
+        </p:txBody>
+      </p:sp>
+    </p:spTree>
+  </p:cSld>
+  <p:clrMapOvr>
+    <a:masterClrMapping/>
+  </p:clrMapOvr>
+</p:notes>
+</file>
+
+<file path=ppt/notesSlides/notesSlide24.xml><?xml version="1.0" encoding="utf-8"?>
+<p:notes xmlns:a="http://schemas.openxmlformats.org/drawingml/2006/main" xmlns:r="http://schemas.openxmlformats.org/officeDocument/2006/relationships" xmlns:mc="http://schemas.openxmlformats.org/markup-compatibility/2006" xmlns:mv="urn:schemas-microsoft-com:mac:vml" xmlns:p="http://schemas.openxmlformats.org/presentationml/2006/main" xmlns:c="http://schemas.openxmlformats.org/drawingml/2006/chart" xmlns:dgm="http://schemas.openxmlformats.org/drawingml/2006/diagram" xmlns:o="urn:schemas-microsoft-com:office:office" xmlns:v="urn:schemas-microsoft-com:vml" xmlns:pvml="urn:schemas-microsoft-com:office:powerpoint" xmlns:com="http://schemas.openxmlformats.org/drawingml/2006/compatibility" xmlns:p14="http://schemas.microsoft.com/office/powerpoint/2010/main" xmlns:p15="http://schemas.microsoft.com/office/powerpoint/2012/main" xmlns:ahyp="http://schemas.microsoft.com/office/drawing/2018/hyperlinkcolor" showMasterPhAnim="0" showMasterSp="0">
+  <p:cSld>
+    <p:spTree>
+      <p:nvGrpSpPr>
+        <p:cNvPr id="281" name="Shape 281"/>
+        <p:cNvGrpSpPr/>
+        <p:nvPr/>
+      </p:nvGrpSpPr>
+      <p:grpSpPr>
+        <a:xfrm>
+          <a:off x="0" y="0"/>
+          <a:ext cx="0" cy="0"/>
+          <a:chOff x="0" y="0"/>
+          <a:chExt cx="0" cy="0"/>
+        </a:xfrm>
+      </p:grpSpPr>
+      <p:sp>
+        <p:nvSpPr>
+          <p:cNvPr id="282" name="Google Shape;282;g2e2d717244c_0_54:notes"/>
+          <p:cNvSpPr/>
+          <p:nvPr>
+            <p:ph idx="2" type="sldImg"/>
+          </p:nvPr>
+        </p:nvSpPr>
+        <p:spPr>
+          <a:xfrm>
+            <a:off x="381300" y="685800"/>
+            <a:ext cx="6096000" cy="3429000"/>
+          </a:xfrm>
+          <a:custGeom>
+            <a:rect b="b" l="l" r="r" t="t"/>
+            <a:pathLst>
+              <a:path extrusionOk="0" h="120000" w="120000">
+                <a:moveTo>
+                  <a:pt x="0" y="0"/>
+                </a:moveTo>
+                <a:lnTo>
+                  <a:pt x="120000" y="0"/>
+                </a:lnTo>
+                <a:lnTo>
+                  <a:pt x="120000" y="120000"/>
+                </a:lnTo>
+                <a:lnTo>
+                  <a:pt x="0" y="120000"/>
+                </a:lnTo>
+                <a:close/>
+              </a:path>
+            </a:pathLst>
+          </a:custGeom>
+        </p:spPr>
+      </p:sp>
+      <p:sp>
+        <p:nvSpPr>
+          <p:cNvPr id="283" name="Google Shape;283;g2e2d717244c_0_54:notes"/>
+          <p:cNvSpPr txBox="1"/>
+          <p:nvPr>
+            <p:ph idx="1" type="body"/>
+          </p:nvPr>
+        </p:nvSpPr>
+        <p:spPr>
+          <a:xfrm>
+            <a:off x="685800" y="4343400"/>
+            <a:ext cx="5486400" cy="4114800"/>
+          </a:xfrm>
+          <a:prstGeom prst="rect">
+            <a:avLst/>
+          </a:prstGeom>
+        </p:spPr>
+        <p:txBody>
+          <a:bodyPr anchorCtr="0" anchor="t" bIns="91425" lIns="91425" spcFirstLastPara="1" rIns="91425" wrap="square" tIns="91425">
+            <a:noAutofit/>
+          </a:bodyPr>
+          <a:lstStyle/>
+          <a:p>
+            <a:pPr indent="0" lvl="0" marL="0" rtl="0" algn="l">
+              <a:spcBef>
+                <a:spcPts val="0"/>
+              </a:spcBef>
+              <a:spcAft>
+                <a:spcPts val="0"/>
+              </a:spcAft>
+              <a:buNone/>
+            </a:pPr>
+            <a:r>
+              <a:t/>
+            </a:r>
+            <a:endParaRPr/>
+          </a:p>
+        </p:txBody>
+      </p:sp>
+    </p:spTree>
+  </p:cSld>
+  <p:clrMapOvr>
+    <a:masterClrMapping/>
+  </p:clrMapOvr>
+</p:notes>
+</file>
+
+<file path=ppt/notesSlides/notesSlide25.xml><?xml version="1.0" encoding="utf-8"?>
+<p:notes xmlns:a="http://schemas.openxmlformats.org/drawingml/2006/main" xmlns:r="http://schemas.openxmlformats.org/officeDocument/2006/relationships" xmlns:mc="http://schemas.openxmlformats.org/markup-compatibility/2006" xmlns:mv="urn:schemas-microsoft-com:mac:vml" xmlns:p="http://schemas.openxmlformats.org/presentationml/2006/main" xmlns:c="http://schemas.openxmlformats.org/drawingml/2006/chart" xmlns:dgm="http://schemas.openxmlformats.org/drawingml/2006/diagram" xmlns:o="urn:schemas-microsoft-com:office:office" xmlns:v="urn:schemas-microsoft-com:vml" xmlns:pvml="urn:schemas-microsoft-com:office:powerpoint" xmlns:com="http://schemas.openxmlformats.org/drawingml/2006/compatibility" xmlns:p14="http://schemas.microsoft.com/office/powerpoint/2010/main" xmlns:p15="http://schemas.microsoft.com/office/powerpoint/2012/main" xmlns:ahyp="http://schemas.microsoft.com/office/drawing/2018/hyperlinkcolor" showMasterPhAnim="0" showMasterSp="0">
+  <p:cSld>
+    <p:spTree>
+      <p:nvGrpSpPr>
+        <p:cNvPr id="287" name="Shape 287"/>
+        <p:cNvGrpSpPr/>
+        <p:nvPr/>
+      </p:nvGrpSpPr>
+      <p:grpSpPr>
+        <a:xfrm>
+          <a:off x="0" y="0"/>
+          <a:ext cx="0" cy="0"/>
+          <a:chOff x="0" y="0"/>
+          <a:chExt cx="0" cy="0"/>
+        </a:xfrm>
+      </p:grpSpPr>
+      <p:sp>
+        <p:nvSpPr>
+          <p:cNvPr id="288" name="Google Shape;288;g2e2d717244c_0_60:notes"/>
+          <p:cNvSpPr/>
+          <p:nvPr>
+            <p:ph idx="2" type="sldImg"/>
+          </p:nvPr>
+        </p:nvSpPr>
+        <p:spPr>
+          <a:xfrm>
+            <a:off x="381300" y="685800"/>
+            <a:ext cx="6096000" cy="3429000"/>
+          </a:xfrm>
+          <a:custGeom>
+            <a:rect b="b" l="l" r="r" t="t"/>
+            <a:pathLst>
+              <a:path extrusionOk="0" h="120000" w="120000">
+                <a:moveTo>
+                  <a:pt x="0" y="0"/>
+                </a:moveTo>
+                <a:lnTo>
+                  <a:pt x="120000" y="0"/>
+                </a:lnTo>
+                <a:lnTo>
+                  <a:pt x="120000" y="120000"/>
+                </a:lnTo>
+                <a:lnTo>
+                  <a:pt x="0" y="120000"/>
+                </a:lnTo>
+                <a:close/>
+              </a:path>
+            </a:pathLst>
+          </a:custGeom>
+        </p:spPr>
+      </p:sp>
+      <p:sp>
+        <p:nvSpPr>
+          <p:cNvPr id="289" name="Google Shape;289;g2e2d717244c_0_60:notes"/>
+          <p:cNvSpPr txBox="1"/>
+          <p:nvPr>
+            <p:ph idx="1" type="body"/>
+          </p:nvPr>
+        </p:nvSpPr>
+        <p:spPr>
+          <a:xfrm>
+            <a:off x="685800" y="4343400"/>
+            <a:ext cx="5486400" cy="4114800"/>
+          </a:xfrm>
+          <a:prstGeom prst="rect">
+            <a:avLst/>
+          </a:prstGeom>
+        </p:spPr>
+        <p:txBody>
+          <a:bodyPr anchorCtr="0" anchor="t" bIns="91425" lIns="91425" spcFirstLastPara="1" rIns="91425" wrap="square" tIns="91425">
+            <a:noAutofit/>
+          </a:bodyPr>
+          <a:lstStyle/>
+          <a:p>
+            <a:pPr indent="0" lvl="0" marL="0" rtl="0" algn="l">
+              <a:spcBef>
+                <a:spcPts val="0"/>
+              </a:spcBef>
+              <a:spcAft>
+                <a:spcPts val="0"/>
+              </a:spcAft>
+              <a:buNone/>
+            </a:pPr>
+            <a:r>
+              <a:t/>
+            </a:r>
+            <a:endParaRPr/>
+          </a:p>
+        </p:txBody>
+      </p:sp>
+    </p:spTree>
+  </p:cSld>
+  <p:clrMapOvr>
+    <a:masterClrMapping/>
+  </p:clrMapOvr>
+</p:notes>
+</file>
+
+<file path=ppt/notesSlides/notesSlide26.xml><?xml version="1.0" encoding="utf-8"?>
+<p:notes xmlns:a="http://schemas.openxmlformats.org/drawingml/2006/main" xmlns:r="http://schemas.openxmlformats.org/officeDocument/2006/relationships" xmlns:mc="http://schemas.openxmlformats.org/markup-compatibility/2006" xmlns:mv="urn:schemas-microsoft-com:mac:vml" xmlns:p="http://schemas.openxmlformats.org/presentationml/2006/main" xmlns:c="http://schemas.openxmlformats.org/drawingml/2006/chart" xmlns:dgm="http://schemas.openxmlformats.org/drawingml/2006/diagram" xmlns:o="urn:schemas-microsoft-com:office:office" xmlns:v="urn:schemas-microsoft-com:vml" xmlns:pvml="urn:schemas-microsoft-com:office:powerpoint" xmlns:com="http://schemas.openxmlformats.org/drawingml/2006/compatibility" xmlns:p14="http://schemas.microsoft.com/office/powerpoint/2010/main" xmlns:p15="http://schemas.microsoft.com/office/powerpoint/2012/main" xmlns:ahyp="http://schemas.microsoft.com/office/drawing/2018/hyperlinkcolor" showMasterPhAnim="0" showMasterSp="0">
+  <p:cSld>
+    <p:spTree>
+      <p:nvGrpSpPr>
+        <p:cNvPr id="293" name="Shape 293"/>
+        <p:cNvGrpSpPr/>
+        <p:nvPr/>
+      </p:nvGrpSpPr>
+      <p:grpSpPr>
+        <a:xfrm>
+          <a:off x="0" y="0"/>
+          <a:ext cx="0" cy="0"/>
+          <a:chOff x="0" y="0"/>
+          <a:chExt cx="0" cy="0"/>
+        </a:xfrm>
+      </p:grpSpPr>
+      <p:sp>
+        <p:nvSpPr>
+          <p:cNvPr id="294" name="Google Shape;294;g2e2d717244c_0_66:notes"/>
+          <p:cNvSpPr/>
+          <p:nvPr>
+            <p:ph idx="2" type="sldImg"/>
+          </p:nvPr>
+        </p:nvSpPr>
+        <p:spPr>
+          <a:xfrm>
+            <a:off x="381300" y="685800"/>
+            <a:ext cx="6096000" cy="3429000"/>
+          </a:xfrm>
+          <a:custGeom>
+            <a:rect b="b" l="l" r="r" t="t"/>
+            <a:pathLst>
+              <a:path extrusionOk="0" h="120000" w="120000">
+                <a:moveTo>
+                  <a:pt x="0" y="0"/>
+                </a:moveTo>
+                <a:lnTo>
+                  <a:pt x="120000" y="0"/>
+                </a:lnTo>
+                <a:lnTo>
+                  <a:pt x="120000" y="120000"/>
+                </a:lnTo>
+                <a:lnTo>
+                  <a:pt x="0" y="120000"/>
+                </a:lnTo>
+                <a:close/>
+              </a:path>
+            </a:pathLst>
+          </a:custGeom>
+        </p:spPr>
+      </p:sp>
+      <p:sp>
+        <p:nvSpPr>
+          <p:cNvPr id="295" name="Google Shape;295;g2e2d717244c_0_66:notes"/>
           <p:cNvSpPr txBox="1"/>
           <p:nvPr>
             <p:ph idx="1" type="body"/>
@@ -8453,8 +9853,8 @@
         </p:blipFill>
         <p:spPr>
           <a:xfrm>
-            <a:off x="2622675" y="1623338"/>
-            <a:ext cx="3898650" cy="1896825"/>
+            <a:off x="152400" y="1014725"/>
+            <a:ext cx="8839199" cy="3774490"/>
           </a:xfrm>
           <a:prstGeom prst="rect">
             <a:avLst/>
@@ -8465,6 +9865,606 @@
           </a:ln>
         </p:spPr>
       </p:pic>
+      <p:sp>
+        <p:nvSpPr>
+          <p:cNvPr id="183" name="Google Shape;183;p23"/>
+          <p:cNvSpPr txBox="1"/>
+          <p:nvPr/>
+        </p:nvSpPr>
+        <p:spPr>
+          <a:xfrm rot="830826">
+            <a:off x="5830214" y="3297914"/>
+            <a:ext cx="264487" cy="369482"/>
+          </a:xfrm>
+          <a:prstGeom prst="rect">
+            <a:avLst/>
+          </a:prstGeom>
+          <a:noFill/>
+          <a:ln>
+            <a:noFill/>
+          </a:ln>
+        </p:spPr>
+        <p:txBody>
+          <a:bodyPr anchorCtr="0" anchor="t" bIns="91425" lIns="91425" spcFirstLastPara="1" rIns="91425" wrap="square" tIns="91425">
+            <a:spAutoFit/>
+          </a:bodyPr>
+          <a:lstStyle/>
+          <a:p>
+            <a:pPr indent="0" lvl="0" marL="0" rtl="0" algn="l">
+              <a:spcBef>
+                <a:spcPts val="0"/>
+              </a:spcBef>
+              <a:spcAft>
+                <a:spcPts val="0"/>
+              </a:spcAft>
+              <a:buNone/>
+            </a:pPr>
+            <a:r>
+              <a:rPr b="1" lang="it" sz="1200">
+                <a:solidFill>
+                  <a:srgbClr val="FF0000"/>
+                </a:solidFill>
+              </a:rPr>
+              <a:t>?</a:t>
+            </a:r>
+            <a:endParaRPr b="1" sz="1200">
+              <a:solidFill>
+                <a:srgbClr val="FF0000"/>
+              </a:solidFill>
+            </a:endParaRPr>
+          </a:p>
+        </p:txBody>
+      </p:sp>
+      <p:sp>
+        <p:nvSpPr>
+          <p:cNvPr id="184" name="Google Shape;184;p23"/>
+          <p:cNvSpPr txBox="1"/>
+          <p:nvPr/>
+        </p:nvSpPr>
+        <p:spPr>
+          <a:xfrm rot="830826">
+            <a:off x="6354589" y="3297914"/>
+            <a:ext cx="264487" cy="369482"/>
+          </a:xfrm>
+          <a:prstGeom prst="rect">
+            <a:avLst/>
+          </a:prstGeom>
+          <a:noFill/>
+          <a:ln>
+            <a:noFill/>
+          </a:ln>
+        </p:spPr>
+        <p:txBody>
+          <a:bodyPr anchorCtr="0" anchor="t" bIns="91425" lIns="91425" spcFirstLastPara="1" rIns="91425" wrap="square" tIns="91425">
+            <a:spAutoFit/>
+          </a:bodyPr>
+          <a:lstStyle/>
+          <a:p>
+            <a:pPr indent="0" lvl="0" marL="0" rtl="0" algn="l">
+              <a:spcBef>
+                <a:spcPts val="0"/>
+              </a:spcBef>
+              <a:spcAft>
+                <a:spcPts val="0"/>
+              </a:spcAft>
+              <a:buNone/>
+            </a:pPr>
+            <a:r>
+              <a:rPr b="1" lang="it" sz="1200">
+                <a:solidFill>
+                  <a:srgbClr val="FF0000"/>
+                </a:solidFill>
+              </a:rPr>
+              <a:t>?</a:t>
+            </a:r>
+            <a:endParaRPr b="1" sz="1200">
+              <a:solidFill>
+                <a:srgbClr val="FF0000"/>
+              </a:solidFill>
+            </a:endParaRPr>
+          </a:p>
+        </p:txBody>
+      </p:sp>
+      <p:sp>
+        <p:nvSpPr>
+          <p:cNvPr id="185" name="Google Shape;185;p23"/>
+          <p:cNvSpPr txBox="1"/>
+          <p:nvPr/>
+        </p:nvSpPr>
+        <p:spPr>
+          <a:xfrm rot="830826">
+            <a:off x="6914764" y="3297914"/>
+            <a:ext cx="264487" cy="369482"/>
+          </a:xfrm>
+          <a:prstGeom prst="rect">
+            <a:avLst/>
+          </a:prstGeom>
+          <a:noFill/>
+          <a:ln>
+            <a:noFill/>
+          </a:ln>
+        </p:spPr>
+        <p:txBody>
+          <a:bodyPr anchorCtr="0" anchor="t" bIns="91425" lIns="91425" spcFirstLastPara="1" rIns="91425" wrap="square" tIns="91425">
+            <a:spAutoFit/>
+          </a:bodyPr>
+          <a:lstStyle/>
+          <a:p>
+            <a:pPr indent="0" lvl="0" marL="0" rtl="0" algn="l">
+              <a:spcBef>
+                <a:spcPts val="0"/>
+              </a:spcBef>
+              <a:spcAft>
+                <a:spcPts val="0"/>
+              </a:spcAft>
+              <a:buNone/>
+            </a:pPr>
+            <a:r>
+              <a:rPr b="1" lang="it" sz="1200">
+                <a:solidFill>
+                  <a:srgbClr val="FF0000"/>
+                </a:solidFill>
+              </a:rPr>
+              <a:t>?</a:t>
+            </a:r>
+            <a:endParaRPr b="1" sz="1200">
+              <a:solidFill>
+                <a:srgbClr val="FF0000"/>
+              </a:solidFill>
+            </a:endParaRPr>
+          </a:p>
+        </p:txBody>
+      </p:sp>
+      <p:sp>
+        <p:nvSpPr>
+          <p:cNvPr id="186" name="Google Shape;186;p23"/>
+          <p:cNvSpPr txBox="1"/>
+          <p:nvPr/>
+        </p:nvSpPr>
+        <p:spPr>
+          <a:xfrm rot="830826">
+            <a:off x="7410539" y="3297914"/>
+            <a:ext cx="264487" cy="369482"/>
+          </a:xfrm>
+          <a:prstGeom prst="rect">
+            <a:avLst/>
+          </a:prstGeom>
+          <a:noFill/>
+          <a:ln>
+            <a:noFill/>
+          </a:ln>
+        </p:spPr>
+        <p:txBody>
+          <a:bodyPr anchorCtr="0" anchor="t" bIns="91425" lIns="91425" spcFirstLastPara="1" rIns="91425" wrap="square" tIns="91425">
+            <a:spAutoFit/>
+          </a:bodyPr>
+          <a:lstStyle/>
+          <a:p>
+            <a:pPr indent="0" lvl="0" marL="0" rtl="0" algn="l">
+              <a:spcBef>
+                <a:spcPts val="0"/>
+              </a:spcBef>
+              <a:spcAft>
+                <a:spcPts val="0"/>
+              </a:spcAft>
+              <a:buNone/>
+            </a:pPr>
+            <a:r>
+              <a:rPr b="1" lang="it" sz="1200">
+                <a:solidFill>
+                  <a:srgbClr val="FF0000"/>
+                </a:solidFill>
+              </a:rPr>
+              <a:t>?</a:t>
+            </a:r>
+            <a:endParaRPr b="1" sz="1200">
+              <a:solidFill>
+                <a:srgbClr val="FF0000"/>
+              </a:solidFill>
+            </a:endParaRPr>
+          </a:p>
+        </p:txBody>
+      </p:sp>
+      <p:sp>
+        <p:nvSpPr>
+          <p:cNvPr id="187" name="Google Shape;187;p23"/>
+          <p:cNvSpPr txBox="1"/>
+          <p:nvPr/>
+        </p:nvSpPr>
+        <p:spPr>
+          <a:xfrm rot="830826">
+            <a:off x="7942089" y="3297914"/>
+            <a:ext cx="264487" cy="369482"/>
+          </a:xfrm>
+          <a:prstGeom prst="rect">
+            <a:avLst/>
+          </a:prstGeom>
+          <a:noFill/>
+          <a:ln>
+            <a:noFill/>
+          </a:ln>
+        </p:spPr>
+        <p:txBody>
+          <a:bodyPr anchorCtr="0" anchor="t" bIns="91425" lIns="91425" spcFirstLastPara="1" rIns="91425" wrap="square" tIns="91425">
+            <a:spAutoFit/>
+          </a:bodyPr>
+          <a:lstStyle/>
+          <a:p>
+            <a:pPr indent="0" lvl="0" marL="0" rtl="0" algn="l">
+              <a:spcBef>
+                <a:spcPts val="0"/>
+              </a:spcBef>
+              <a:spcAft>
+                <a:spcPts val="0"/>
+              </a:spcAft>
+              <a:buNone/>
+            </a:pPr>
+            <a:r>
+              <a:rPr b="1" lang="it" sz="1200">
+                <a:solidFill>
+                  <a:srgbClr val="FF0000"/>
+                </a:solidFill>
+              </a:rPr>
+              <a:t>?</a:t>
+            </a:r>
+            <a:endParaRPr b="1" sz="1200">
+              <a:solidFill>
+                <a:srgbClr val="FF0000"/>
+              </a:solidFill>
+            </a:endParaRPr>
+          </a:p>
+        </p:txBody>
+      </p:sp>
+      <p:sp>
+        <p:nvSpPr>
+          <p:cNvPr id="188" name="Google Shape;188;p23"/>
+          <p:cNvSpPr txBox="1"/>
+          <p:nvPr/>
+        </p:nvSpPr>
+        <p:spPr>
+          <a:xfrm rot="830826">
+            <a:off x="8473639" y="3297914"/>
+            <a:ext cx="264487" cy="369482"/>
+          </a:xfrm>
+          <a:prstGeom prst="rect">
+            <a:avLst/>
+          </a:prstGeom>
+          <a:noFill/>
+          <a:ln>
+            <a:noFill/>
+          </a:ln>
+        </p:spPr>
+        <p:txBody>
+          <a:bodyPr anchorCtr="0" anchor="t" bIns="91425" lIns="91425" spcFirstLastPara="1" rIns="91425" wrap="square" tIns="91425">
+            <a:spAutoFit/>
+          </a:bodyPr>
+          <a:lstStyle/>
+          <a:p>
+            <a:pPr indent="0" lvl="0" marL="0" rtl="0" algn="l">
+              <a:spcBef>
+                <a:spcPts val="0"/>
+              </a:spcBef>
+              <a:spcAft>
+                <a:spcPts val="0"/>
+              </a:spcAft>
+              <a:buNone/>
+            </a:pPr>
+            <a:r>
+              <a:rPr b="1" lang="it" sz="1200">
+                <a:solidFill>
+                  <a:srgbClr val="FF0000"/>
+                </a:solidFill>
+              </a:rPr>
+              <a:t>?</a:t>
+            </a:r>
+            <a:endParaRPr b="1" sz="1200">
+              <a:solidFill>
+                <a:srgbClr val="FF0000"/>
+              </a:solidFill>
+            </a:endParaRPr>
+          </a:p>
+        </p:txBody>
+      </p:sp>
+      <p:sp>
+        <p:nvSpPr>
+          <p:cNvPr id="189" name="Google Shape;189;p23"/>
+          <p:cNvSpPr txBox="1"/>
+          <p:nvPr/>
+        </p:nvSpPr>
+        <p:spPr>
+          <a:xfrm rot="830826">
+            <a:off x="5830214" y="3668639"/>
+            <a:ext cx="264487" cy="369482"/>
+          </a:xfrm>
+          <a:prstGeom prst="rect">
+            <a:avLst/>
+          </a:prstGeom>
+          <a:noFill/>
+          <a:ln>
+            <a:noFill/>
+          </a:ln>
+        </p:spPr>
+        <p:txBody>
+          <a:bodyPr anchorCtr="0" anchor="t" bIns="91425" lIns="91425" spcFirstLastPara="1" rIns="91425" wrap="square" tIns="91425">
+            <a:spAutoFit/>
+          </a:bodyPr>
+          <a:lstStyle/>
+          <a:p>
+            <a:pPr indent="0" lvl="0" marL="0" rtl="0" algn="l">
+              <a:spcBef>
+                <a:spcPts val="0"/>
+              </a:spcBef>
+              <a:spcAft>
+                <a:spcPts val="0"/>
+              </a:spcAft>
+              <a:buNone/>
+            </a:pPr>
+            <a:r>
+              <a:rPr b="1" lang="it" sz="1200">
+                <a:solidFill>
+                  <a:srgbClr val="FF0000"/>
+                </a:solidFill>
+              </a:rPr>
+              <a:t>?</a:t>
+            </a:r>
+            <a:endParaRPr b="1" sz="1200">
+              <a:solidFill>
+                <a:srgbClr val="FF0000"/>
+              </a:solidFill>
+            </a:endParaRPr>
+          </a:p>
+        </p:txBody>
+      </p:sp>
+      <p:sp>
+        <p:nvSpPr>
+          <p:cNvPr id="190" name="Google Shape;190;p23"/>
+          <p:cNvSpPr txBox="1"/>
+          <p:nvPr/>
+        </p:nvSpPr>
+        <p:spPr>
+          <a:xfrm rot="830826">
+            <a:off x="6372489" y="3668639"/>
+            <a:ext cx="264487" cy="369482"/>
+          </a:xfrm>
+          <a:prstGeom prst="rect">
+            <a:avLst/>
+          </a:prstGeom>
+          <a:noFill/>
+          <a:ln>
+            <a:noFill/>
+          </a:ln>
+        </p:spPr>
+        <p:txBody>
+          <a:bodyPr anchorCtr="0" anchor="t" bIns="91425" lIns="91425" spcFirstLastPara="1" rIns="91425" wrap="square" tIns="91425">
+            <a:spAutoFit/>
+          </a:bodyPr>
+          <a:lstStyle/>
+          <a:p>
+            <a:pPr indent="0" lvl="0" marL="0" rtl="0" algn="l">
+              <a:spcBef>
+                <a:spcPts val="0"/>
+              </a:spcBef>
+              <a:spcAft>
+                <a:spcPts val="0"/>
+              </a:spcAft>
+              <a:buNone/>
+            </a:pPr>
+            <a:r>
+              <a:rPr b="1" lang="it" sz="1200">
+                <a:solidFill>
+                  <a:srgbClr val="FF0000"/>
+                </a:solidFill>
+              </a:rPr>
+              <a:t>?</a:t>
+            </a:r>
+            <a:endParaRPr b="1" sz="1200">
+              <a:solidFill>
+                <a:srgbClr val="FF0000"/>
+              </a:solidFill>
+            </a:endParaRPr>
+          </a:p>
+        </p:txBody>
+      </p:sp>
+      <p:sp>
+        <p:nvSpPr>
+          <p:cNvPr id="191" name="Google Shape;191;p23"/>
+          <p:cNvSpPr txBox="1"/>
+          <p:nvPr/>
+        </p:nvSpPr>
+        <p:spPr>
+          <a:xfrm rot="830826">
+            <a:off x="6891514" y="3668639"/>
+            <a:ext cx="264487" cy="369482"/>
+          </a:xfrm>
+          <a:prstGeom prst="rect">
+            <a:avLst/>
+          </a:prstGeom>
+          <a:noFill/>
+          <a:ln>
+            <a:noFill/>
+          </a:ln>
+        </p:spPr>
+        <p:txBody>
+          <a:bodyPr anchorCtr="0" anchor="t" bIns="91425" lIns="91425" spcFirstLastPara="1" rIns="91425" wrap="square" tIns="91425">
+            <a:spAutoFit/>
+          </a:bodyPr>
+          <a:lstStyle/>
+          <a:p>
+            <a:pPr indent="0" lvl="0" marL="0" rtl="0" algn="l">
+              <a:spcBef>
+                <a:spcPts val="0"/>
+              </a:spcBef>
+              <a:spcAft>
+                <a:spcPts val="0"/>
+              </a:spcAft>
+              <a:buNone/>
+            </a:pPr>
+            <a:r>
+              <a:rPr b="1" lang="it" sz="1200">
+                <a:solidFill>
+                  <a:srgbClr val="FF0000"/>
+                </a:solidFill>
+              </a:rPr>
+              <a:t>?</a:t>
+            </a:r>
+            <a:endParaRPr b="1" sz="1200">
+              <a:solidFill>
+                <a:srgbClr val="FF0000"/>
+              </a:solidFill>
+            </a:endParaRPr>
+          </a:p>
+        </p:txBody>
+      </p:sp>
+      <p:sp>
+        <p:nvSpPr>
+          <p:cNvPr id="192" name="Google Shape;192;p23"/>
+          <p:cNvSpPr txBox="1"/>
+          <p:nvPr/>
+        </p:nvSpPr>
+        <p:spPr>
+          <a:xfrm rot="830826">
+            <a:off x="7457039" y="3668639"/>
+            <a:ext cx="264487" cy="369482"/>
+          </a:xfrm>
+          <a:prstGeom prst="rect">
+            <a:avLst/>
+          </a:prstGeom>
+          <a:noFill/>
+          <a:ln>
+            <a:noFill/>
+          </a:ln>
+        </p:spPr>
+        <p:txBody>
+          <a:bodyPr anchorCtr="0" anchor="t" bIns="91425" lIns="91425" spcFirstLastPara="1" rIns="91425" wrap="square" tIns="91425">
+            <a:spAutoFit/>
+          </a:bodyPr>
+          <a:lstStyle/>
+          <a:p>
+            <a:pPr indent="0" lvl="0" marL="0" rtl="0" algn="l">
+              <a:spcBef>
+                <a:spcPts val="0"/>
+              </a:spcBef>
+              <a:spcAft>
+                <a:spcPts val="0"/>
+              </a:spcAft>
+              <a:buNone/>
+            </a:pPr>
+            <a:r>
+              <a:rPr b="1" lang="it" sz="1200">
+                <a:solidFill>
+                  <a:srgbClr val="FF0000"/>
+                </a:solidFill>
+              </a:rPr>
+              <a:t>?</a:t>
+            </a:r>
+            <a:endParaRPr b="1" sz="1200">
+              <a:solidFill>
+                <a:srgbClr val="FF0000"/>
+              </a:solidFill>
+            </a:endParaRPr>
+          </a:p>
+        </p:txBody>
+      </p:sp>
+      <p:sp>
+        <p:nvSpPr>
+          <p:cNvPr id="193" name="Google Shape;193;p23"/>
+          <p:cNvSpPr txBox="1"/>
+          <p:nvPr/>
+        </p:nvSpPr>
+        <p:spPr>
+          <a:xfrm rot="830826">
+            <a:off x="7942089" y="3668639"/>
+            <a:ext cx="264487" cy="369482"/>
+          </a:xfrm>
+          <a:prstGeom prst="rect">
+            <a:avLst/>
+          </a:prstGeom>
+          <a:noFill/>
+          <a:ln>
+            <a:noFill/>
+          </a:ln>
+        </p:spPr>
+        <p:txBody>
+          <a:bodyPr anchorCtr="0" anchor="t" bIns="91425" lIns="91425" spcFirstLastPara="1" rIns="91425" wrap="square" tIns="91425">
+            <a:spAutoFit/>
+          </a:bodyPr>
+          <a:lstStyle/>
+          <a:p>
+            <a:pPr indent="0" lvl="0" marL="0" rtl="0" algn="l">
+              <a:spcBef>
+                <a:spcPts val="0"/>
+              </a:spcBef>
+              <a:spcAft>
+                <a:spcPts val="0"/>
+              </a:spcAft>
+              <a:buNone/>
+            </a:pPr>
+            <a:r>
+              <a:rPr b="1" lang="it" sz="1200">
+                <a:solidFill>
+                  <a:srgbClr val="FF0000"/>
+                </a:solidFill>
+              </a:rPr>
+              <a:t>?</a:t>
+            </a:r>
+            <a:endParaRPr b="1" sz="1200">
+              <a:solidFill>
+                <a:srgbClr val="FF0000"/>
+              </a:solidFill>
+            </a:endParaRPr>
+          </a:p>
+        </p:txBody>
+      </p:sp>
+      <p:sp>
+        <p:nvSpPr>
+          <p:cNvPr id="194" name="Google Shape;194;p23"/>
+          <p:cNvSpPr txBox="1"/>
+          <p:nvPr/>
+        </p:nvSpPr>
+        <p:spPr>
+          <a:xfrm rot="830826">
+            <a:off x="8473639" y="3668639"/>
+            <a:ext cx="264487" cy="369482"/>
+          </a:xfrm>
+          <a:prstGeom prst="rect">
+            <a:avLst/>
+          </a:prstGeom>
+          <a:noFill/>
+          <a:ln>
+            <a:noFill/>
+          </a:ln>
+        </p:spPr>
+        <p:txBody>
+          <a:bodyPr anchorCtr="0" anchor="t" bIns="91425" lIns="91425" spcFirstLastPara="1" rIns="91425" wrap="square" tIns="91425">
+            <a:spAutoFit/>
+          </a:bodyPr>
+          <a:lstStyle/>
+          <a:p>
+            <a:pPr indent="0" lvl="0" marL="0" rtl="0" algn="l">
+              <a:spcBef>
+                <a:spcPts val="0"/>
+              </a:spcBef>
+              <a:spcAft>
+                <a:spcPts val="0"/>
+              </a:spcAft>
+              <a:buNone/>
+            </a:pPr>
+            <a:r>
+              <a:rPr b="1" lang="it" sz="1200">
+                <a:solidFill>
+                  <a:srgbClr val="FF0000"/>
+                </a:solidFill>
+              </a:rPr>
+              <a:t>?</a:t>
+            </a:r>
+            <a:endParaRPr b="1" sz="1200">
+              <a:solidFill>
+                <a:srgbClr val="FF0000"/>
+              </a:solidFill>
+            </a:endParaRPr>
+          </a:p>
+        </p:txBody>
+      </p:sp>
     </p:spTree>
   </p:cSld>
   <p:clrMapOvr>
@@ -8478,7 +10478,7 @@
   <p:cSld>
     <p:spTree>
       <p:nvGrpSpPr>
-        <p:cNvPr id="186" name="Shape 186"/>
+        <p:cNvPr id="198" name="Shape 198"/>
         <p:cNvGrpSpPr/>
         <p:nvPr/>
       </p:nvGrpSpPr>
@@ -8492,7 +10492,7 @@
       </p:grpSpPr>
       <p:sp>
         <p:nvSpPr>
-          <p:cNvPr id="187" name="Google Shape;187;p24"/>
+          <p:cNvPr id="199" name="Google Shape;199;p24"/>
           <p:cNvSpPr txBox="1"/>
           <p:nvPr/>
         </p:nvSpPr>
@@ -8530,7 +10530,7 @@
                   <a:srgbClr val="FF0000"/>
                 </a:solidFill>
               </a:rPr>
-              <a:t>What I want to achieve in the analysis</a:t>
+              <a:t>Results (so far)</a:t>
             </a:r>
             <a:endParaRPr sz="1800">
               <a:solidFill>
@@ -8542,7 +10542,7 @@
       </p:sp>
       <p:pic>
         <p:nvPicPr>
-          <p:cNvPr id="188" name="Google Shape;188;p24"/>
+          <p:cNvPr id="200" name="Google Shape;200;p24"/>
           <p:cNvPicPr preferRelativeResize="0"/>
           <p:nvPr/>
         </p:nvPicPr>
@@ -8556,8 +10556,8 @@
         </p:blipFill>
         <p:spPr>
           <a:xfrm>
-            <a:off x="301463" y="1238538"/>
-            <a:ext cx="4348850" cy="1607675"/>
+            <a:off x="6136752" y="1180210"/>
+            <a:ext cx="2880425" cy="2868915"/>
           </a:xfrm>
           <a:prstGeom prst="rect">
             <a:avLst/>
@@ -8568,16 +10568,97 @@
           </a:ln>
         </p:spPr>
       </p:pic>
-      <p:sp>
-        <p:nvSpPr>
-          <p:cNvPr id="189" name="Google Shape;189;p24"/>
+      <p:pic>
+        <p:nvPicPr>
+          <p:cNvPr id="201" name="Google Shape;201;p24"/>
+          <p:cNvPicPr preferRelativeResize="0"/>
+          <p:nvPr/>
+        </p:nvPicPr>
+        <p:blipFill>
+          <a:blip r:embed="rId4">
+            <a:alphaModFix/>
+          </a:blip>
+          <a:stretch>
+            <a:fillRect/>
+          </a:stretch>
+        </p:blipFill>
+        <p:spPr>
+          <a:xfrm>
+            <a:off x="2988975" y="1137288"/>
+            <a:ext cx="2880425" cy="2868918"/>
+          </a:xfrm>
+          <a:prstGeom prst="rect">
+            <a:avLst/>
+          </a:prstGeom>
+          <a:noFill/>
+          <a:ln>
+            <a:noFill/>
+          </a:ln>
+        </p:spPr>
+      </p:pic>
+      <p:pic>
+        <p:nvPicPr>
+          <p:cNvPr id="202" name="Google Shape;202;p24"/>
+          <p:cNvPicPr preferRelativeResize="0"/>
+          <p:nvPr/>
+        </p:nvPicPr>
+        <p:blipFill>
+          <a:blip r:embed="rId5">
+            <a:alphaModFix/>
+          </a:blip>
+          <a:stretch>
+            <a:fillRect/>
+          </a:stretch>
+        </p:blipFill>
+        <p:spPr>
+          <a:xfrm>
+            <a:off x="0" y="1137300"/>
+            <a:ext cx="2880425" cy="2868900"/>
+          </a:xfrm>
+          <a:prstGeom prst="rect">
+            <a:avLst/>
+          </a:prstGeom>
+          <a:noFill/>
+          <a:ln>
+            <a:noFill/>
+          </a:ln>
+        </p:spPr>
+      </p:pic>
+    </p:spTree>
+  </p:cSld>
+  <p:clrMapOvr>
+    <a:masterClrMapping/>
+  </p:clrMapOvr>
+</p:sld>
+</file>
+
+<file path=ppt/slides/slide13.xml><?xml version="1.0" encoding="utf-8"?>
+<p:sld xmlns:a="http://schemas.openxmlformats.org/drawingml/2006/main" xmlns:r="http://schemas.openxmlformats.org/officeDocument/2006/relationships" xmlns:mc="http://schemas.openxmlformats.org/markup-compatibility/2006" xmlns:mv="urn:schemas-microsoft-com:mac:vml" xmlns:p="http://schemas.openxmlformats.org/presentationml/2006/main" xmlns:c="http://schemas.openxmlformats.org/drawingml/2006/chart" xmlns:dgm="http://schemas.openxmlformats.org/drawingml/2006/diagram" xmlns:o="urn:schemas-microsoft-com:office:office" xmlns:v="urn:schemas-microsoft-com:vml" xmlns:pvml="urn:schemas-microsoft-com:office:powerpoint" xmlns:com="http://schemas.openxmlformats.org/drawingml/2006/compatibility" xmlns:p14="http://schemas.microsoft.com/office/powerpoint/2010/main" xmlns:p15="http://schemas.microsoft.com/office/powerpoint/2012/main" xmlns:ahyp="http://schemas.microsoft.com/office/drawing/2018/hyperlinkcolor">
+  <p:cSld>
+    <p:spTree>
+      <p:nvGrpSpPr>
+        <p:cNvPr id="206" name="Shape 206"/>
+        <p:cNvGrpSpPr/>
+        <p:nvPr/>
+      </p:nvGrpSpPr>
+      <p:grpSpPr>
+        <a:xfrm>
+          <a:off x="0" y="0"/>
+          <a:ext cx="0" cy="0"/>
+          <a:chOff x="0" y="0"/>
+          <a:chExt cx="0" cy="0"/>
+        </a:xfrm>
+      </p:grpSpPr>
+      <p:sp>
+        <p:nvSpPr>
+          <p:cNvPr id="207" name="Google Shape;207;p25"/>
           <p:cNvSpPr txBox="1"/>
           <p:nvPr/>
         </p:nvSpPr>
         <p:spPr>
           <a:xfrm>
-            <a:off x="1181086" y="2886675"/>
-            <a:ext cx="2589600" cy="338700"/>
+            <a:off x="364850" y="400625"/>
+            <a:ext cx="4120500" cy="461700"/>
           </a:xfrm>
           <a:prstGeom prst="rect">
             <a:avLst/>
@@ -8593,33 +10674,122 @@
           </a:bodyPr>
           <a:lstStyle/>
           <a:p>
-            <a:pPr indent="0" lvl="0" marL="0" rtl="0" algn="ctr">
-              <a:spcBef>
-                <a:spcPts val="0"/>
-              </a:spcBef>
-              <a:spcAft>
-                <a:spcPts val="0"/>
-              </a:spcAft>
-              <a:buNone/>
-            </a:pPr>
-            <a:r>
-              <a:rPr i="1" lang="it" sz="1000"/>
-              <a:t>taken from GRL’s paper</a:t>
-            </a:r>
-            <a:endParaRPr i="1" sz="800"/>
+            <a:pPr indent="0" lvl="0" marL="0" rtl="0" algn="l">
+              <a:spcBef>
+                <a:spcPts val="0"/>
+              </a:spcBef>
+              <a:spcAft>
+                <a:spcPts val="0"/>
+              </a:spcAft>
+              <a:buNone/>
+            </a:pPr>
+            <a:r>
+              <a:rPr lang="it" sz="1800">
+                <a:solidFill>
+                  <a:srgbClr val="FF0000"/>
+                </a:solidFill>
+              </a:rPr>
+              <a:t>GridSearch over StudentEssay</a:t>
+            </a:r>
+            <a:endParaRPr sz="1800">
+              <a:solidFill>
+                <a:srgbClr val="FF0000"/>
+              </a:solidFill>
+            </a:endParaRPr>
           </a:p>
         </p:txBody>
       </p:sp>
-      <p:sp>
-        <p:nvSpPr>
-          <p:cNvPr id="190" name="Google Shape;190;p24"/>
+      <p:pic>
+        <p:nvPicPr>
+          <p:cNvPr id="208" name="Google Shape;208;p25"/>
+          <p:cNvPicPr preferRelativeResize="0"/>
+          <p:nvPr/>
+        </p:nvPicPr>
+        <p:blipFill>
+          <a:blip r:embed="rId3">
+            <a:alphaModFix/>
+          </a:blip>
+          <a:stretch>
+            <a:fillRect/>
+          </a:stretch>
+        </p:blipFill>
+        <p:spPr>
+          <a:xfrm>
+            <a:off x="495338" y="993275"/>
+            <a:ext cx="4477193" cy="3976375"/>
+          </a:xfrm>
+          <a:prstGeom prst="rect">
+            <a:avLst/>
+          </a:prstGeom>
+          <a:noFill/>
+          <a:ln>
+            <a:noFill/>
+          </a:ln>
+        </p:spPr>
+      </p:pic>
+      <p:pic>
+        <p:nvPicPr>
+          <p:cNvPr id="209" name="Google Shape;209;p25"/>
+          <p:cNvPicPr preferRelativeResize="0"/>
+          <p:nvPr/>
+        </p:nvPicPr>
+        <p:blipFill>
+          <a:blip r:embed="rId4">
+            <a:alphaModFix/>
+          </a:blip>
+          <a:stretch>
+            <a:fillRect/>
+          </a:stretch>
+        </p:blipFill>
+        <p:spPr>
+          <a:xfrm>
+            <a:off x="5096330" y="1499875"/>
+            <a:ext cx="3552332" cy="2963165"/>
+          </a:xfrm>
+          <a:prstGeom prst="rect">
+            <a:avLst/>
+          </a:prstGeom>
+          <a:noFill/>
+          <a:ln>
+            <a:noFill/>
+          </a:ln>
+        </p:spPr>
+      </p:pic>
+    </p:spTree>
+  </p:cSld>
+  <p:clrMapOvr>
+    <a:masterClrMapping/>
+  </p:clrMapOvr>
+</p:sld>
+</file>
+
+<file path=ppt/slides/slide14.xml><?xml version="1.0" encoding="utf-8"?>
+<p:sld xmlns:a="http://schemas.openxmlformats.org/drawingml/2006/main" xmlns:r="http://schemas.openxmlformats.org/officeDocument/2006/relationships" xmlns:mc="http://schemas.openxmlformats.org/markup-compatibility/2006" xmlns:mv="urn:schemas-microsoft-com:mac:vml" xmlns:p="http://schemas.openxmlformats.org/presentationml/2006/main" xmlns:c="http://schemas.openxmlformats.org/drawingml/2006/chart" xmlns:dgm="http://schemas.openxmlformats.org/drawingml/2006/diagram" xmlns:o="urn:schemas-microsoft-com:office:office" xmlns:v="urn:schemas-microsoft-com:vml" xmlns:pvml="urn:schemas-microsoft-com:office:powerpoint" xmlns:com="http://schemas.openxmlformats.org/drawingml/2006/compatibility" xmlns:p14="http://schemas.microsoft.com/office/powerpoint/2010/main" xmlns:p15="http://schemas.microsoft.com/office/powerpoint/2012/main" xmlns:ahyp="http://schemas.microsoft.com/office/drawing/2018/hyperlinkcolor">
+  <p:cSld>
+    <p:spTree>
+      <p:nvGrpSpPr>
+        <p:cNvPr id="213" name="Shape 213"/>
+        <p:cNvGrpSpPr/>
+        <p:nvPr/>
+      </p:nvGrpSpPr>
+      <p:grpSpPr>
+        <a:xfrm>
+          <a:off x="0" y="0"/>
+          <a:ext cx="0" cy="0"/>
+          <a:chOff x="0" y="0"/>
+          <a:chExt cx="0" cy="0"/>
+        </a:xfrm>
+      </p:grpSpPr>
+      <p:sp>
+        <p:nvSpPr>
+          <p:cNvPr id="214" name="Google Shape;214;p26"/>
           <p:cNvSpPr txBox="1"/>
           <p:nvPr/>
         </p:nvSpPr>
         <p:spPr>
           <a:xfrm>
-            <a:off x="5201437" y="1488275"/>
-            <a:ext cx="3641100" cy="1293000"/>
+            <a:off x="364850" y="400625"/>
+            <a:ext cx="4120500" cy="461700"/>
           </a:xfrm>
           <a:prstGeom prst="rect">
             <a:avLst/>
@@ -8635,6 +10805,977 @@
           </a:bodyPr>
           <a:lstStyle/>
           <a:p>
+            <a:pPr indent="0" lvl="0" marL="0" rtl="0" algn="l">
+              <a:spcBef>
+                <a:spcPts val="0"/>
+              </a:spcBef>
+              <a:spcAft>
+                <a:spcPts val="0"/>
+              </a:spcAft>
+              <a:buNone/>
+            </a:pPr>
+            <a:r>
+              <a:rPr lang="it" sz="1800">
+                <a:solidFill>
+                  <a:srgbClr val="FF0000"/>
+                </a:solidFill>
+              </a:rPr>
+              <a:t>GridSearch over M-ARG</a:t>
+            </a:r>
+            <a:endParaRPr sz="1800">
+              <a:solidFill>
+                <a:srgbClr val="FF0000"/>
+              </a:solidFill>
+            </a:endParaRPr>
+          </a:p>
+        </p:txBody>
+      </p:sp>
+      <p:pic>
+        <p:nvPicPr>
+          <p:cNvPr id="215" name="Google Shape;215;p26"/>
+          <p:cNvPicPr preferRelativeResize="0"/>
+          <p:nvPr/>
+        </p:nvPicPr>
+        <p:blipFill>
+          <a:blip r:embed="rId3">
+            <a:alphaModFix/>
+          </a:blip>
+          <a:stretch>
+            <a:fillRect/>
+          </a:stretch>
+        </p:blipFill>
+        <p:spPr>
+          <a:xfrm>
+            <a:off x="2333400" y="1014725"/>
+            <a:ext cx="4477193" cy="3976375"/>
+          </a:xfrm>
+          <a:prstGeom prst="rect">
+            <a:avLst/>
+          </a:prstGeom>
+          <a:noFill/>
+          <a:ln>
+            <a:noFill/>
+          </a:ln>
+        </p:spPr>
+      </p:pic>
+    </p:spTree>
+  </p:cSld>
+  <p:clrMapOvr>
+    <a:masterClrMapping/>
+  </p:clrMapOvr>
+</p:sld>
+</file>
+
+<file path=ppt/slides/slide15.xml><?xml version="1.0" encoding="utf-8"?>
+<p:sld xmlns:a="http://schemas.openxmlformats.org/drawingml/2006/main" xmlns:r="http://schemas.openxmlformats.org/officeDocument/2006/relationships" xmlns:mc="http://schemas.openxmlformats.org/markup-compatibility/2006" xmlns:mv="urn:schemas-microsoft-com:mac:vml" xmlns:p="http://schemas.openxmlformats.org/presentationml/2006/main" xmlns:c="http://schemas.openxmlformats.org/drawingml/2006/chart" xmlns:dgm="http://schemas.openxmlformats.org/drawingml/2006/diagram" xmlns:o="urn:schemas-microsoft-com:office:office" xmlns:v="urn:schemas-microsoft-com:vml" xmlns:pvml="urn:schemas-microsoft-com:office:powerpoint" xmlns:com="http://schemas.openxmlformats.org/drawingml/2006/compatibility" xmlns:p14="http://schemas.microsoft.com/office/powerpoint/2010/main" xmlns:p15="http://schemas.microsoft.com/office/powerpoint/2012/main" xmlns:ahyp="http://schemas.microsoft.com/office/drawing/2018/hyperlinkcolor">
+  <p:cSld>
+    <p:spTree>
+      <p:nvGrpSpPr>
+        <p:cNvPr id="219" name="Shape 219"/>
+        <p:cNvGrpSpPr/>
+        <p:nvPr/>
+      </p:nvGrpSpPr>
+      <p:grpSpPr>
+        <a:xfrm>
+          <a:off x="0" y="0"/>
+          <a:ext cx="0" cy="0"/>
+          <a:chOff x="0" y="0"/>
+          <a:chExt cx="0" cy="0"/>
+        </a:xfrm>
+      </p:grpSpPr>
+      <p:sp>
+        <p:nvSpPr>
+          <p:cNvPr id="220" name="Google Shape;220;p27"/>
+          <p:cNvSpPr txBox="1"/>
+          <p:nvPr/>
+        </p:nvSpPr>
+        <p:spPr>
+          <a:xfrm>
+            <a:off x="364850" y="400625"/>
+            <a:ext cx="4120500" cy="461700"/>
+          </a:xfrm>
+          <a:prstGeom prst="rect">
+            <a:avLst/>
+          </a:prstGeom>
+          <a:noFill/>
+          <a:ln>
+            <a:noFill/>
+          </a:ln>
+        </p:spPr>
+        <p:txBody>
+          <a:bodyPr anchorCtr="0" anchor="t" bIns="91425" lIns="91425" spcFirstLastPara="1" rIns="91425" wrap="square" tIns="91425">
+            <a:spAutoFit/>
+          </a:bodyPr>
+          <a:lstStyle/>
+          <a:p>
+            <a:pPr indent="0" lvl="0" marL="0" rtl="0" algn="l">
+              <a:spcBef>
+                <a:spcPts val="0"/>
+              </a:spcBef>
+              <a:spcAft>
+                <a:spcPts val="0"/>
+              </a:spcAft>
+              <a:buNone/>
+            </a:pPr>
+            <a:r>
+              <a:rPr lang="it" sz="1800">
+                <a:solidFill>
+                  <a:srgbClr val="FF0000"/>
+                </a:solidFill>
+              </a:rPr>
+              <a:t>GridSearch over Debatepedia</a:t>
+            </a:r>
+            <a:endParaRPr sz="1800">
+              <a:solidFill>
+                <a:srgbClr val="FF0000"/>
+              </a:solidFill>
+            </a:endParaRPr>
+          </a:p>
+        </p:txBody>
+      </p:sp>
+      <p:pic>
+        <p:nvPicPr>
+          <p:cNvPr id="221" name="Google Shape;221;p27"/>
+          <p:cNvPicPr preferRelativeResize="0"/>
+          <p:nvPr/>
+        </p:nvPicPr>
+        <p:blipFill>
+          <a:blip r:embed="rId3">
+            <a:alphaModFix/>
+          </a:blip>
+          <a:stretch>
+            <a:fillRect/>
+          </a:stretch>
+        </p:blipFill>
+        <p:spPr>
+          <a:xfrm>
+            <a:off x="2333400" y="1007575"/>
+            <a:ext cx="4477193" cy="3976375"/>
+          </a:xfrm>
+          <a:prstGeom prst="rect">
+            <a:avLst/>
+          </a:prstGeom>
+          <a:noFill/>
+          <a:ln>
+            <a:noFill/>
+          </a:ln>
+        </p:spPr>
+      </p:pic>
+    </p:spTree>
+  </p:cSld>
+  <p:clrMapOvr>
+    <a:masterClrMapping/>
+  </p:clrMapOvr>
+</p:sld>
+</file>
+
+<file path=ppt/slides/slide16.xml><?xml version="1.0" encoding="utf-8"?>
+<p:sld xmlns:a="http://schemas.openxmlformats.org/drawingml/2006/main" xmlns:r="http://schemas.openxmlformats.org/officeDocument/2006/relationships" xmlns:mc="http://schemas.openxmlformats.org/markup-compatibility/2006" xmlns:mv="urn:schemas-microsoft-com:mac:vml" xmlns:p="http://schemas.openxmlformats.org/presentationml/2006/main" xmlns:c="http://schemas.openxmlformats.org/drawingml/2006/chart" xmlns:dgm="http://schemas.openxmlformats.org/drawingml/2006/diagram" xmlns:o="urn:schemas-microsoft-com:office:office" xmlns:v="urn:schemas-microsoft-com:vml" xmlns:pvml="urn:schemas-microsoft-com:office:powerpoint" xmlns:com="http://schemas.openxmlformats.org/drawingml/2006/compatibility" xmlns:p14="http://schemas.microsoft.com/office/powerpoint/2010/main" xmlns:p15="http://schemas.microsoft.com/office/powerpoint/2012/main" xmlns:ahyp="http://schemas.microsoft.com/office/drawing/2018/hyperlinkcolor">
+  <p:cSld>
+    <p:spTree>
+      <p:nvGrpSpPr>
+        <p:cNvPr id="225" name="Shape 225"/>
+        <p:cNvGrpSpPr/>
+        <p:nvPr/>
+      </p:nvGrpSpPr>
+      <p:grpSpPr>
+        <a:xfrm>
+          <a:off x="0" y="0"/>
+          <a:ext cx="0" cy="0"/>
+          <a:chOff x="0" y="0"/>
+          <a:chExt cx="0" cy="0"/>
+        </a:xfrm>
+      </p:grpSpPr>
+      <p:sp>
+        <p:nvSpPr>
+          <p:cNvPr id="226" name="Google Shape;226;p28"/>
+          <p:cNvSpPr txBox="1"/>
+          <p:nvPr/>
+        </p:nvSpPr>
+        <p:spPr>
+          <a:xfrm>
+            <a:off x="364850" y="400625"/>
+            <a:ext cx="5136300" cy="461700"/>
+          </a:xfrm>
+          <a:prstGeom prst="rect">
+            <a:avLst/>
+          </a:prstGeom>
+          <a:noFill/>
+          <a:ln>
+            <a:noFill/>
+          </a:ln>
+        </p:spPr>
+        <p:txBody>
+          <a:bodyPr anchorCtr="0" anchor="t" bIns="91425" lIns="91425" spcFirstLastPara="1" rIns="91425" wrap="square" tIns="91425">
+            <a:spAutoFit/>
+          </a:bodyPr>
+          <a:lstStyle/>
+          <a:p>
+            <a:pPr indent="0" lvl="0" marL="0" rtl="0" algn="l">
+              <a:spcBef>
+                <a:spcPts val="0"/>
+              </a:spcBef>
+              <a:spcAft>
+                <a:spcPts val="0"/>
+              </a:spcAft>
+              <a:buNone/>
+            </a:pPr>
+            <a:r>
+              <a:rPr lang="it" sz="1800">
+                <a:solidFill>
+                  <a:srgbClr val="FF0000"/>
+                </a:solidFill>
+              </a:rPr>
+              <a:t>Scatterplot StudentEssay vs Discovery</a:t>
+            </a:r>
+            <a:endParaRPr sz="1800">
+              <a:solidFill>
+                <a:srgbClr val="FF0000"/>
+              </a:solidFill>
+            </a:endParaRPr>
+          </a:p>
+        </p:txBody>
+      </p:sp>
+      <p:pic>
+        <p:nvPicPr>
+          <p:cNvPr id="227" name="Google Shape;227;p28"/>
+          <p:cNvPicPr preferRelativeResize="0"/>
+          <p:nvPr/>
+        </p:nvPicPr>
+        <p:blipFill>
+          <a:blip r:embed="rId3">
+            <a:alphaModFix/>
+          </a:blip>
+          <a:stretch>
+            <a:fillRect/>
+          </a:stretch>
+        </p:blipFill>
+        <p:spPr>
+          <a:xfrm>
+            <a:off x="222598" y="1799713"/>
+            <a:ext cx="4006750" cy="2862575"/>
+          </a:xfrm>
+          <a:prstGeom prst="rect">
+            <a:avLst/>
+          </a:prstGeom>
+          <a:noFill/>
+          <a:ln>
+            <a:noFill/>
+          </a:ln>
+        </p:spPr>
+      </p:pic>
+      <p:pic>
+        <p:nvPicPr>
+          <p:cNvPr id="228" name="Google Shape;228;p28"/>
+          <p:cNvPicPr preferRelativeResize="0"/>
+          <p:nvPr/>
+        </p:nvPicPr>
+        <p:blipFill>
+          <a:blip r:embed="rId4">
+            <a:alphaModFix/>
+          </a:blip>
+          <a:stretch>
+            <a:fillRect/>
+          </a:stretch>
+        </p:blipFill>
+        <p:spPr>
+          <a:xfrm>
+            <a:off x="4914650" y="1799725"/>
+            <a:ext cx="4006750" cy="2862572"/>
+          </a:xfrm>
+          <a:prstGeom prst="rect">
+            <a:avLst/>
+          </a:prstGeom>
+          <a:noFill/>
+          <a:ln>
+            <a:noFill/>
+          </a:ln>
+        </p:spPr>
+      </p:pic>
+      <p:sp>
+        <p:nvSpPr>
+          <p:cNvPr id="229" name="Google Shape;229;p28"/>
+          <p:cNvSpPr txBox="1"/>
+          <p:nvPr/>
+        </p:nvSpPr>
+        <p:spPr>
+          <a:xfrm>
+            <a:off x="707675" y="1161675"/>
+            <a:ext cx="3036600" cy="338700"/>
+          </a:xfrm>
+          <a:prstGeom prst="rect">
+            <a:avLst/>
+          </a:prstGeom>
+          <a:noFill/>
+          <a:ln>
+            <a:noFill/>
+          </a:ln>
+        </p:spPr>
+        <p:txBody>
+          <a:bodyPr anchorCtr="0" anchor="t" bIns="91425" lIns="91425" spcFirstLastPara="1" rIns="91425" wrap="square" tIns="91425">
+            <a:spAutoFit/>
+          </a:bodyPr>
+          <a:lstStyle/>
+          <a:p>
+            <a:pPr indent="0" lvl="0" marL="0" rtl="0" algn="ctr">
+              <a:spcBef>
+                <a:spcPts val="0"/>
+              </a:spcBef>
+              <a:spcAft>
+                <a:spcPts val="0"/>
+              </a:spcAft>
+              <a:buNone/>
+            </a:pPr>
+            <a:r>
+              <a:rPr i="1" lang="it" sz="1000"/>
+              <a:t>Scatterplot StudentEssay</a:t>
+            </a:r>
+            <a:endParaRPr i="1" sz="1000"/>
+          </a:p>
+        </p:txBody>
+      </p:sp>
+      <p:sp>
+        <p:nvSpPr>
+          <p:cNvPr id="230" name="Google Shape;230;p28"/>
+          <p:cNvSpPr txBox="1"/>
+          <p:nvPr/>
+        </p:nvSpPr>
+        <p:spPr>
+          <a:xfrm>
+            <a:off x="5399725" y="1161675"/>
+            <a:ext cx="3036600" cy="338700"/>
+          </a:xfrm>
+          <a:prstGeom prst="rect">
+            <a:avLst/>
+          </a:prstGeom>
+          <a:noFill/>
+          <a:ln>
+            <a:noFill/>
+          </a:ln>
+        </p:spPr>
+        <p:txBody>
+          <a:bodyPr anchorCtr="0" anchor="t" bIns="91425" lIns="91425" spcFirstLastPara="1" rIns="91425" wrap="square" tIns="91425">
+            <a:spAutoFit/>
+          </a:bodyPr>
+          <a:lstStyle/>
+          <a:p>
+            <a:pPr indent="0" lvl="0" marL="0" rtl="0" algn="ctr">
+              <a:spcBef>
+                <a:spcPts val="0"/>
+              </a:spcBef>
+              <a:spcAft>
+                <a:spcPts val="0"/>
+              </a:spcAft>
+              <a:buNone/>
+            </a:pPr>
+            <a:r>
+              <a:rPr i="1" lang="it" sz="1000"/>
+              <a:t>Scatterplot Discovery</a:t>
+            </a:r>
+            <a:endParaRPr i="1" sz="1000"/>
+          </a:p>
+        </p:txBody>
+      </p:sp>
+    </p:spTree>
+  </p:cSld>
+  <p:clrMapOvr>
+    <a:masterClrMapping/>
+  </p:clrMapOvr>
+</p:sld>
+</file>
+
+<file path=ppt/slides/slide17.xml><?xml version="1.0" encoding="utf-8"?>
+<p:sld xmlns:a="http://schemas.openxmlformats.org/drawingml/2006/main" xmlns:r="http://schemas.openxmlformats.org/officeDocument/2006/relationships" xmlns:mc="http://schemas.openxmlformats.org/markup-compatibility/2006" xmlns:mv="urn:schemas-microsoft-com:mac:vml" xmlns:p="http://schemas.openxmlformats.org/presentationml/2006/main" xmlns:c="http://schemas.openxmlformats.org/drawingml/2006/chart" xmlns:dgm="http://schemas.openxmlformats.org/drawingml/2006/diagram" xmlns:o="urn:schemas-microsoft-com:office:office" xmlns:v="urn:schemas-microsoft-com:vml" xmlns:pvml="urn:schemas-microsoft-com:office:powerpoint" xmlns:com="http://schemas.openxmlformats.org/drawingml/2006/compatibility" xmlns:p14="http://schemas.microsoft.com/office/powerpoint/2010/main" xmlns:p15="http://schemas.microsoft.com/office/powerpoint/2012/main" xmlns:ahyp="http://schemas.microsoft.com/office/drawing/2018/hyperlinkcolor">
+  <p:cSld>
+    <p:spTree>
+      <p:nvGrpSpPr>
+        <p:cNvPr id="234" name="Shape 234"/>
+        <p:cNvGrpSpPr/>
+        <p:nvPr/>
+      </p:nvGrpSpPr>
+      <p:grpSpPr>
+        <a:xfrm>
+          <a:off x="0" y="0"/>
+          <a:ext cx="0" cy="0"/>
+          <a:chOff x="0" y="0"/>
+          <a:chExt cx="0" cy="0"/>
+        </a:xfrm>
+      </p:grpSpPr>
+      <p:sp>
+        <p:nvSpPr>
+          <p:cNvPr id="235" name="Google Shape;235;p29"/>
+          <p:cNvSpPr txBox="1"/>
+          <p:nvPr/>
+        </p:nvSpPr>
+        <p:spPr>
+          <a:xfrm>
+            <a:off x="364850" y="400625"/>
+            <a:ext cx="5136300" cy="461700"/>
+          </a:xfrm>
+          <a:prstGeom prst="rect">
+            <a:avLst/>
+          </a:prstGeom>
+          <a:noFill/>
+          <a:ln>
+            <a:noFill/>
+          </a:ln>
+        </p:spPr>
+        <p:txBody>
+          <a:bodyPr anchorCtr="0" anchor="t" bIns="91425" lIns="91425" spcFirstLastPara="1" rIns="91425" wrap="square" tIns="91425">
+            <a:spAutoFit/>
+          </a:bodyPr>
+          <a:lstStyle/>
+          <a:p>
+            <a:pPr indent="0" lvl="0" marL="0" rtl="0" algn="l">
+              <a:spcBef>
+                <a:spcPts val="0"/>
+              </a:spcBef>
+              <a:spcAft>
+                <a:spcPts val="0"/>
+              </a:spcAft>
+              <a:buNone/>
+            </a:pPr>
+            <a:r>
+              <a:rPr lang="it" sz="1800">
+                <a:solidFill>
+                  <a:srgbClr val="FF0000"/>
+                </a:solidFill>
+              </a:rPr>
+              <a:t>Scatterplot StudentEssay vs Discovery</a:t>
+            </a:r>
+            <a:endParaRPr sz="1800">
+              <a:solidFill>
+                <a:srgbClr val="FF0000"/>
+              </a:solidFill>
+            </a:endParaRPr>
+          </a:p>
+        </p:txBody>
+      </p:sp>
+      <p:sp>
+        <p:nvSpPr>
+          <p:cNvPr id="236" name="Google Shape;236;p29"/>
+          <p:cNvSpPr txBox="1"/>
+          <p:nvPr/>
+        </p:nvSpPr>
+        <p:spPr>
+          <a:xfrm>
+            <a:off x="707675" y="1161675"/>
+            <a:ext cx="3036600" cy="338700"/>
+          </a:xfrm>
+          <a:prstGeom prst="rect">
+            <a:avLst/>
+          </a:prstGeom>
+          <a:noFill/>
+          <a:ln>
+            <a:noFill/>
+          </a:ln>
+        </p:spPr>
+        <p:txBody>
+          <a:bodyPr anchorCtr="0" anchor="t" bIns="91425" lIns="91425" spcFirstLastPara="1" rIns="91425" wrap="square" tIns="91425">
+            <a:spAutoFit/>
+          </a:bodyPr>
+          <a:lstStyle/>
+          <a:p>
+            <a:pPr indent="0" lvl="0" marL="0" rtl="0" algn="ctr">
+              <a:spcBef>
+                <a:spcPts val="0"/>
+              </a:spcBef>
+              <a:spcAft>
+                <a:spcPts val="0"/>
+              </a:spcAft>
+              <a:buNone/>
+            </a:pPr>
+            <a:r>
+              <a:rPr i="1" lang="it" sz="1000"/>
+              <a:t>Scatterplot Debatepedia</a:t>
+            </a:r>
+            <a:endParaRPr i="1" sz="1000"/>
+          </a:p>
+        </p:txBody>
+      </p:sp>
+      <p:sp>
+        <p:nvSpPr>
+          <p:cNvPr id="237" name="Google Shape;237;p29"/>
+          <p:cNvSpPr txBox="1"/>
+          <p:nvPr/>
+        </p:nvSpPr>
+        <p:spPr>
+          <a:xfrm>
+            <a:off x="5399725" y="1161675"/>
+            <a:ext cx="3036600" cy="338700"/>
+          </a:xfrm>
+          <a:prstGeom prst="rect">
+            <a:avLst/>
+          </a:prstGeom>
+          <a:noFill/>
+          <a:ln>
+            <a:noFill/>
+          </a:ln>
+        </p:spPr>
+        <p:txBody>
+          <a:bodyPr anchorCtr="0" anchor="t" bIns="91425" lIns="91425" spcFirstLastPara="1" rIns="91425" wrap="square" tIns="91425">
+            <a:spAutoFit/>
+          </a:bodyPr>
+          <a:lstStyle/>
+          <a:p>
+            <a:pPr indent="0" lvl="0" marL="0" rtl="0" algn="ctr">
+              <a:spcBef>
+                <a:spcPts val="0"/>
+              </a:spcBef>
+              <a:spcAft>
+                <a:spcPts val="0"/>
+              </a:spcAft>
+              <a:buNone/>
+            </a:pPr>
+            <a:r>
+              <a:rPr i="1" lang="it" sz="1000"/>
+              <a:t>Scatterplot Discovery</a:t>
+            </a:r>
+            <a:endParaRPr i="1" sz="1000"/>
+          </a:p>
+        </p:txBody>
+      </p:sp>
+      <p:pic>
+        <p:nvPicPr>
+          <p:cNvPr id="238" name="Google Shape;238;p29"/>
+          <p:cNvPicPr preferRelativeResize="0"/>
+          <p:nvPr/>
+        </p:nvPicPr>
+        <p:blipFill>
+          <a:blip r:embed="rId3">
+            <a:alphaModFix/>
+          </a:blip>
+          <a:stretch>
+            <a:fillRect/>
+          </a:stretch>
+        </p:blipFill>
+        <p:spPr>
+          <a:xfrm>
+            <a:off x="180238" y="1652775"/>
+            <a:ext cx="4091475" cy="2939403"/>
+          </a:xfrm>
+          <a:prstGeom prst="rect">
+            <a:avLst/>
+          </a:prstGeom>
+          <a:noFill/>
+          <a:ln>
+            <a:noFill/>
+          </a:ln>
+        </p:spPr>
+      </p:pic>
+      <p:pic>
+        <p:nvPicPr>
+          <p:cNvPr id="239" name="Google Shape;239;p29"/>
+          <p:cNvPicPr preferRelativeResize="0"/>
+          <p:nvPr/>
+        </p:nvPicPr>
+        <p:blipFill>
+          <a:blip r:embed="rId4">
+            <a:alphaModFix/>
+          </a:blip>
+          <a:stretch>
+            <a:fillRect/>
+          </a:stretch>
+        </p:blipFill>
+        <p:spPr>
+          <a:xfrm>
+            <a:off x="4898002" y="1652775"/>
+            <a:ext cx="4040048" cy="2902455"/>
+          </a:xfrm>
+          <a:prstGeom prst="rect">
+            <a:avLst/>
+          </a:prstGeom>
+          <a:noFill/>
+          <a:ln>
+            <a:noFill/>
+          </a:ln>
+        </p:spPr>
+      </p:pic>
+    </p:spTree>
+  </p:cSld>
+  <p:clrMapOvr>
+    <a:masterClrMapping/>
+  </p:clrMapOvr>
+</p:sld>
+</file>
+
+<file path=ppt/slides/slide18.xml><?xml version="1.0" encoding="utf-8"?>
+<p:sld xmlns:a="http://schemas.openxmlformats.org/drawingml/2006/main" xmlns:r="http://schemas.openxmlformats.org/officeDocument/2006/relationships" xmlns:mc="http://schemas.openxmlformats.org/markup-compatibility/2006" xmlns:mv="urn:schemas-microsoft-com:mac:vml" xmlns:p="http://schemas.openxmlformats.org/presentationml/2006/main" xmlns:c="http://schemas.openxmlformats.org/drawingml/2006/chart" xmlns:dgm="http://schemas.openxmlformats.org/drawingml/2006/diagram" xmlns:o="urn:schemas-microsoft-com:office:office" xmlns:v="urn:schemas-microsoft-com:vml" xmlns:pvml="urn:schemas-microsoft-com:office:powerpoint" xmlns:com="http://schemas.openxmlformats.org/drawingml/2006/compatibility" xmlns:p14="http://schemas.microsoft.com/office/powerpoint/2010/main" xmlns:p15="http://schemas.microsoft.com/office/powerpoint/2012/main" xmlns:ahyp="http://schemas.microsoft.com/office/drawing/2018/hyperlinkcolor">
+  <p:cSld>
+    <p:spTree>
+      <p:nvGrpSpPr>
+        <p:cNvPr id="243" name="Shape 243"/>
+        <p:cNvGrpSpPr/>
+        <p:nvPr/>
+      </p:nvGrpSpPr>
+      <p:grpSpPr>
+        <a:xfrm>
+          <a:off x="0" y="0"/>
+          <a:ext cx="0" cy="0"/>
+          <a:chOff x="0" y="0"/>
+          <a:chExt cx="0" cy="0"/>
+        </a:xfrm>
+      </p:grpSpPr>
+      <p:sp>
+        <p:nvSpPr>
+          <p:cNvPr id="244" name="Google Shape;244;p30"/>
+          <p:cNvSpPr txBox="1"/>
+          <p:nvPr/>
+        </p:nvSpPr>
+        <p:spPr>
+          <a:xfrm>
+            <a:off x="364850" y="400625"/>
+            <a:ext cx="5136300" cy="461700"/>
+          </a:xfrm>
+          <a:prstGeom prst="rect">
+            <a:avLst/>
+          </a:prstGeom>
+          <a:noFill/>
+          <a:ln>
+            <a:noFill/>
+          </a:ln>
+        </p:spPr>
+        <p:txBody>
+          <a:bodyPr anchorCtr="0" anchor="t" bIns="91425" lIns="91425" spcFirstLastPara="1" rIns="91425" wrap="square" tIns="91425">
+            <a:spAutoFit/>
+          </a:bodyPr>
+          <a:lstStyle/>
+          <a:p>
+            <a:pPr indent="0" lvl="0" marL="0" rtl="0" algn="l">
+              <a:spcBef>
+                <a:spcPts val="0"/>
+              </a:spcBef>
+              <a:spcAft>
+                <a:spcPts val="0"/>
+              </a:spcAft>
+              <a:buNone/>
+            </a:pPr>
+            <a:r>
+              <a:rPr lang="it" sz="1800">
+                <a:solidFill>
+                  <a:srgbClr val="FF0000"/>
+                </a:solidFill>
+              </a:rPr>
+              <a:t>Scatterplot StudentEssay vs Discovery</a:t>
+            </a:r>
+            <a:endParaRPr sz="1800">
+              <a:solidFill>
+                <a:srgbClr val="FF0000"/>
+              </a:solidFill>
+            </a:endParaRPr>
+          </a:p>
+        </p:txBody>
+      </p:sp>
+      <p:sp>
+        <p:nvSpPr>
+          <p:cNvPr id="245" name="Google Shape;245;p30"/>
+          <p:cNvSpPr txBox="1"/>
+          <p:nvPr/>
+        </p:nvSpPr>
+        <p:spPr>
+          <a:xfrm>
+            <a:off x="707675" y="1161675"/>
+            <a:ext cx="3036600" cy="338700"/>
+          </a:xfrm>
+          <a:prstGeom prst="rect">
+            <a:avLst/>
+          </a:prstGeom>
+          <a:noFill/>
+          <a:ln>
+            <a:noFill/>
+          </a:ln>
+        </p:spPr>
+        <p:txBody>
+          <a:bodyPr anchorCtr="0" anchor="t" bIns="91425" lIns="91425" spcFirstLastPara="1" rIns="91425" wrap="square" tIns="91425">
+            <a:spAutoFit/>
+          </a:bodyPr>
+          <a:lstStyle/>
+          <a:p>
+            <a:pPr indent="0" lvl="0" marL="0" rtl="0" algn="ctr">
+              <a:spcBef>
+                <a:spcPts val="0"/>
+              </a:spcBef>
+              <a:spcAft>
+                <a:spcPts val="0"/>
+              </a:spcAft>
+              <a:buNone/>
+            </a:pPr>
+            <a:r>
+              <a:rPr i="1" lang="it" sz="1000"/>
+              <a:t>Scatterplot M-ARG</a:t>
+            </a:r>
+            <a:endParaRPr i="1" sz="1000"/>
+          </a:p>
+        </p:txBody>
+      </p:sp>
+      <p:sp>
+        <p:nvSpPr>
+          <p:cNvPr id="246" name="Google Shape;246;p30"/>
+          <p:cNvSpPr txBox="1"/>
+          <p:nvPr/>
+        </p:nvSpPr>
+        <p:spPr>
+          <a:xfrm>
+            <a:off x="5399725" y="1161675"/>
+            <a:ext cx="3036600" cy="338700"/>
+          </a:xfrm>
+          <a:prstGeom prst="rect">
+            <a:avLst/>
+          </a:prstGeom>
+          <a:noFill/>
+          <a:ln>
+            <a:noFill/>
+          </a:ln>
+        </p:spPr>
+        <p:txBody>
+          <a:bodyPr anchorCtr="0" anchor="t" bIns="91425" lIns="91425" spcFirstLastPara="1" rIns="91425" wrap="square" tIns="91425">
+            <a:spAutoFit/>
+          </a:bodyPr>
+          <a:lstStyle/>
+          <a:p>
+            <a:pPr indent="0" lvl="0" marL="0" rtl="0" algn="ctr">
+              <a:spcBef>
+                <a:spcPts val="0"/>
+              </a:spcBef>
+              <a:spcAft>
+                <a:spcPts val="0"/>
+              </a:spcAft>
+              <a:buNone/>
+            </a:pPr>
+            <a:r>
+              <a:rPr i="1" lang="it" sz="1000"/>
+              <a:t>Scatterplot Discovery</a:t>
+            </a:r>
+            <a:endParaRPr i="1" sz="1000"/>
+          </a:p>
+        </p:txBody>
+      </p:sp>
+      <p:pic>
+        <p:nvPicPr>
+          <p:cNvPr id="247" name="Google Shape;247;p30"/>
+          <p:cNvPicPr preferRelativeResize="0"/>
+          <p:nvPr/>
+        </p:nvPicPr>
+        <p:blipFill>
+          <a:blip r:embed="rId3">
+            <a:alphaModFix/>
+          </a:blip>
+          <a:stretch>
+            <a:fillRect/>
+          </a:stretch>
+        </p:blipFill>
+        <p:spPr>
+          <a:xfrm>
+            <a:off x="55438" y="1652775"/>
+            <a:ext cx="4341074" cy="3118725"/>
+          </a:xfrm>
+          <a:prstGeom prst="rect">
+            <a:avLst/>
+          </a:prstGeom>
+          <a:noFill/>
+          <a:ln>
+            <a:noFill/>
+          </a:ln>
+        </p:spPr>
+      </p:pic>
+      <p:pic>
+        <p:nvPicPr>
+          <p:cNvPr id="248" name="Google Shape;248;p30"/>
+          <p:cNvPicPr preferRelativeResize="0"/>
+          <p:nvPr/>
+        </p:nvPicPr>
+        <p:blipFill>
+          <a:blip r:embed="rId4">
+            <a:alphaModFix/>
+          </a:blip>
+          <a:stretch>
+            <a:fillRect/>
+          </a:stretch>
+        </p:blipFill>
+        <p:spPr>
+          <a:xfrm>
+            <a:off x="4747500" y="1652788"/>
+            <a:ext cx="4341050" cy="3118695"/>
+          </a:xfrm>
+          <a:prstGeom prst="rect">
+            <a:avLst/>
+          </a:prstGeom>
+          <a:noFill/>
+          <a:ln>
+            <a:noFill/>
+          </a:ln>
+        </p:spPr>
+      </p:pic>
+    </p:spTree>
+  </p:cSld>
+  <p:clrMapOvr>
+    <a:masterClrMapping/>
+  </p:clrMapOvr>
+</p:sld>
+</file>
+
+<file path=ppt/slides/slide19.xml><?xml version="1.0" encoding="utf-8"?>
+<p:sld xmlns:a="http://schemas.openxmlformats.org/drawingml/2006/main" xmlns:r="http://schemas.openxmlformats.org/officeDocument/2006/relationships" xmlns:mc="http://schemas.openxmlformats.org/markup-compatibility/2006" xmlns:mv="urn:schemas-microsoft-com:mac:vml" xmlns:p="http://schemas.openxmlformats.org/presentationml/2006/main" xmlns:c="http://schemas.openxmlformats.org/drawingml/2006/chart" xmlns:dgm="http://schemas.openxmlformats.org/drawingml/2006/diagram" xmlns:o="urn:schemas-microsoft-com:office:office" xmlns:v="urn:schemas-microsoft-com:vml" xmlns:pvml="urn:schemas-microsoft-com:office:powerpoint" xmlns:com="http://schemas.openxmlformats.org/drawingml/2006/compatibility" xmlns:p14="http://schemas.microsoft.com/office/powerpoint/2010/main" xmlns:p15="http://schemas.microsoft.com/office/powerpoint/2012/main" xmlns:ahyp="http://schemas.microsoft.com/office/drawing/2018/hyperlinkcolor">
+  <p:cSld>
+    <p:spTree>
+      <p:nvGrpSpPr>
+        <p:cNvPr id="252" name="Shape 252"/>
+        <p:cNvGrpSpPr/>
+        <p:nvPr/>
+      </p:nvGrpSpPr>
+      <p:grpSpPr>
+        <a:xfrm>
+          <a:off x="0" y="0"/>
+          <a:ext cx="0" cy="0"/>
+          <a:chOff x="0" y="0"/>
+          <a:chExt cx="0" cy="0"/>
+        </a:xfrm>
+      </p:grpSpPr>
+      <p:sp>
+        <p:nvSpPr>
+          <p:cNvPr id="253" name="Google Shape;253;p31"/>
+          <p:cNvSpPr txBox="1"/>
+          <p:nvPr/>
+        </p:nvSpPr>
+        <p:spPr>
+          <a:xfrm>
+            <a:off x="364850" y="400625"/>
+            <a:ext cx="4120500" cy="461700"/>
+          </a:xfrm>
+          <a:prstGeom prst="rect">
+            <a:avLst/>
+          </a:prstGeom>
+          <a:noFill/>
+          <a:ln>
+            <a:noFill/>
+          </a:ln>
+        </p:spPr>
+        <p:txBody>
+          <a:bodyPr anchorCtr="0" anchor="t" bIns="91425" lIns="91425" spcFirstLastPara="1" rIns="91425" wrap="square" tIns="91425">
+            <a:spAutoFit/>
+          </a:bodyPr>
+          <a:lstStyle/>
+          <a:p>
+            <a:pPr indent="0" lvl="0" marL="0" rtl="0" algn="l">
+              <a:spcBef>
+                <a:spcPts val="0"/>
+              </a:spcBef>
+              <a:spcAft>
+                <a:spcPts val="0"/>
+              </a:spcAft>
+              <a:buNone/>
+            </a:pPr>
+            <a:r>
+              <a:rPr lang="it" sz="1800">
+                <a:solidFill>
+                  <a:srgbClr val="FF0000"/>
+                </a:solidFill>
+              </a:rPr>
+              <a:t>What I want to achieve in the analysis</a:t>
+            </a:r>
+            <a:endParaRPr sz="1800">
+              <a:solidFill>
+                <a:srgbClr val="FF0000"/>
+              </a:solidFill>
+            </a:endParaRPr>
+          </a:p>
+        </p:txBody>
+      </p:sp>
+      <p:pic>
+        <p:nvPicPr>
+          <p:cNvPr id="254" name="Google Shape;254;p31"/>
+          <p:cNvPicPr preferRelativeResize="0"/>
+          <p:nvPr/>
+        </p:nvPicPr>
+        <p:blipFill>
+          <a:blip r:embed="rId3">
+            <a:alphaModFix/>
+          </a:blip>
+          <a:stretch>
+            <a:fillRect/>
+          </a:stretch>
+        </p:blipFill>
+        <p:spPr>
+          <a:xfrm>
+            <a:off x="301463" y="1238538"/>
+            <a:ext cx="4348850" cy="1607675"/>
+          </a:xfrm>
+          <a:prstGeom prst="rect">
+            <a:avLst/>
+          </a:prstGeom>
+          <a:noFill/>
+          <a:ln>
+            <a:noFill/>
+          </a:ln>
+        </p:spPr>
+      </p:pic>
+      <p:sp>
+        <p:nvSpPr>
+          <p:cNvPr id="255" name="Google Shape;255;p31"/>
+          <p:cNvSpPr txBox="1"/>
+          <p:nvPr/>
+        </p:nvSpPr>
+        <p:spPr>
+          <a:xfrm>
+            <a:off x="1181086" y="2886675"/>
+            <a:ext cx="2589600" cy="338700"/>
+          </a:xfrm>
+          <a:prstGeom prst="rect">
+            <a:avLst/>
+          </a:prstGeom>
+          <a:noFill/>
+          <a:ln>
+            <a:noFill/>
+          </a:ln>
+        </p:spPr>
+        <p:txBody>
+          <a:bodyPr anchorCtr="0" anchor="t" bIns="91425" lIns="91425" spcFirstLastPara="1" rIns="91425" wrap="square" tIns="91425">
+            <a:spAutoFit/>
+          </a:bodyPr>
+          <a:lstStyle/>
+          <a:p>
+            <a:pPr indent="0" lvl="0" marL="0" rtl="0" algn="ctr">
+              <a:spcBef>
+                <a:spcPts val="0"/>
+              </a:spcBef>
+              <a:spcAft>
+                <a:spcPts val="0"/>
+              </a:spcAft>
+              <a:buNone/>
+            </a:pPr>
+            <a:r>
+              <a:rPr i="1" lang="it" sz="1000"/>
+              <a:t>taken from GRL’s paper</a:t>
+            </a:r>
+            <a:endParaRPr i="1" sz="800"/>
+          </a:p>
+        </p:txBody>
+      </p:sp>
+      <p:sp>
+        <p:nvSpPr>
+          <p:cNvPr id="256" name="Google Shape;256;p31"/>
+          <p:cNvSpPr txBox="1"/>
+          <p:nvPr/>
+        </p:nvSpPr>
+        <p:spPr>
+          <a:xfrm>
+            <a:off x="5201437" y="1488275"/>
+            <a:ext cx="3641100" cy="1293000"/>
+          </a:xfrm>
+          <a:prstGeom prst="rect">
+            <a:avLst/>
+          </a:prstGeom>
+          <a:noFill/>
+          <a:ln>
+            <a:noFill/>
+          </a:ln>
+        </p:spPr>
+        <p:txBody>
+          <a:bodyPr anchorCtr="0" anchor="t" bIns="91425" lIns="91425" spcFirstLastPara="1" rIns="91425" wrap="square" tIns="91425">
+            <a:spAutoFit/>
+          </a:bodyPr>
+          <a:lstStyle/>
+          <a:p>
             <a:pPr indent="0" lvl="0" marL="0" rtl="0" algn="ctr">
               <a:spcBef>
                 <a:spcPts val="0"/>
@@ -8693,7 +11834,7 @@
       </p:sp>
       <p:sp>
         <p:nvSpPr>
-          <p:cNvPr id="191" name="Google Shape;191;p24"/>
+          <p:cNvPr id="257" name="Google Shape;257;p31"/>
           <p:cNvSpPr txBox="1"/>
           <p:nvPr/>
         </p:nvSpPr>
@@ -9338,6 +12479,699 @@
           </a:p>
         </p:txBody>
       </p:sp>
+    </p:spTree>
+  </p:cSld>
+  <p:clrMapOvr>
+    <a:masterClrMapping/>
+  </p:clrMapOvr>
+</p:sld>
+</file>
+
+<file path=ppt/slides/slide20.xml><?xml version="1.0" encoding="utf-8"?>
+<p:sld xmlns:a="http://schemas.openxmlformats.org/drawingml/2006/main" xmlns:r="http://schemas.openxmlformats.org/officeDocument/2006/relationships" xmlns:mc="http://schemas.openxmlformats.org/markup-compatibility/2006" xmlns:mv="urn:schemas-microsoft-com:mac:vml" xmlns:p="http://schemas.openxmlformats.org/presentationml/2006/main" xmlns:c="http://schemas.openxmlformats.org/drawingml/2006/chart" xmlns:dgm="http://schemas.openxmlformats.org/drawingml/2006/diagram" xmlns:o="urn:schemas-microsoft-com:office:office" xmlns:v="urn:schemas-microsoft-com:vml" xmlns:pvml="urn:schemas-microsoft-com:office:powerpoint" xmlns:com="http://schemas.openxmlformats.org/drawingml/2006/compatibility" xmlns:p14="http://schemas.microsoft.com/office/powerpoint/2010/main" xmlns:p15="http://schemas.microsoft.com/office/powerpoint/2012/main" xmlns:ahyp="http://schemas.microsoft.com/office/drawing/2018/hyperlinkcolor">
+  <p:cSld>
+    <p:spTree>
+      <p:nvGrpSpPr>
+        <p:cNvPr id="261" name="Shape 261"/>
+        <p:cNvGrpSpPr/>
+        <p:nvPr/>
+      </p:nvGrpSpPr>
+      <p:grpSpPr>
+        <a:xfrm>
+          <a:off x="0" y="0"/>
+          <a:ext cx="0" cy="0"/>
+          <a:chOff x="0" y="0"/>
+          <a:chExt cx="0" cy="0"/>
+        </a:xfrm>
+      </p:grpSpPr>
+      <p:sp>
+        <p:nvSpPr>
+          <p:cNvPr id="262" name="Google Shape;262;p32"/>
+          <p:cNvSpPr txBox="1"/>
+          <p:nvPr/>
+        </p:nvSpPr>
+        <p:spPr>
+          <a:xfrm>
+            <a:off x="1430725" y="1925250"/>
+            <a:ext cx="6438300" cy="554100"/>
+          </a:xfrm>
+          <a:prstGeom prst="rect">
+            <a:avLst/>
+          </a:prstGeom>
+          <a:noFill/>
+          <a:ln>
+            <a:noFill/>
+          </a:ln>
+        </p:spPr>
+        <p:txBody>
+          <a:bodyPr anchorCtr="0" anchor="t" bIns="91425" lIns="91425" spcFirstLastPara="1" rIns="91425" wrap="square" tIns="91425">
+            <a:spAutoFit/>
+          </a:bodyPr>
+          <a:lstStyle/>
+          <a:p>
+            <a:pPr indent="0" lvl="0" marL="0" rtl="0" algn="ctr">
+              <a:spcBef>
+                <a:spcPts val="0"/>
+              </a:spcBef>
+              <a:spcAft>
+                <a:spcPts val="0"/>
+              </a:spcAft>
+              <a:buNone/>
+            </a:pPr>
+            <a:r>
+              <a:rPr lang="it" sz="2400">
+                <a:solidFill>
+                  <a:schemeClr val="dk1"/>
+                </a:solidFill>
+              </a:rPr>
+              <a:t>05/06/2024</a:t>
+            </a:r>
+            <a:endParaRPr sz="2400">
+              <a:solidFill>
+                <a:schemeClr val="dk1"/>
+              </a:solidFill>
+            </a:endParaRPr>
+          </a:p>
+        </p:txBody>
+      </p:sp>
+    </p:spTree>
+  </p:cSld>
+  <p:clrMapOvr>
+    <a:masterClrMapping/>
+  </p:clrMapOvr>
+</p:sld>
+</file>
+
+<file path=ppt/slides/slide21.xml><?xml version="1.0" encoding="utf-8"?>
+<p:sld xmlns:a="http://schemas.openxmlformats.org/drawingml/2006/main" xmlns:r="http://schemas.openxmlformats.org/officeDocument/2006/relationships" xmlns:mc="http://schemas.openxmlformats.org/markup-compatibility/2006" xmlns:mv="urn:schemas-microsoft-com:mac:vml" xmlns:p="http://schemas.openxmlformats.org/presentationml/2006/main" xmlns:c="http://schemas.openxmlformats.org/drawingml/2006/chart" xmlns:dgm="http://schemas.openxmlformats.org/drawingml/2006/diagram" xmlns:o="urn:schemas-microsoft-com:office:office" xmlns:v="urn:schemas-microsoft-com:vml" xmlns:pvml="urn:schemas-microsoft-com:office:powerpoint" xmlns:com="http://schemas.openxmlformats.org/drawingml/2006/compatibility" xmlns:p14="http://schemas.microsoft.com/office/powerpoint/2010/main" xmlns:p15="http://schemas.microsoft.com/office/powerpoint/2012/main" xmlns:ahyp="http://schemas.microsoft.com/office/drawing/2018/hyperlinkcolor">
+  <p:cSld>
+    <p:spTree>
+      <p:nvGrpSpPr>
+        <p:cNvPr id="266" name="Shape 266"/>
+        <p:cNvGrpSpPr/>
+        <p:nvPr/>
+      </p:nvGrpSpPr>
+      <p:grpSpPr>
+        <a:xfrm>
+          <a:off x="0" y="0"/>
+          <a:ext cx="0" cy="0"/>
+          <a:chOff x="0" y="0"/>
+          <a:chExt cx="0" cy="0"/>
+        </a:xfrm>
+      </p:grpSpPr>
+      <p:sp>
+        <p:nvSpPr>
+          <p:cNvPr id="267" name="Google Shape;267;p33"/>
+          <p:cNvSpPr txBox="1"/>
+          <p:nvPr/>
+        </p:nvSpPr>
+        <p:spPr>
+          <a:xfrm>
+            <a:off x="364850" y="400625"/>
+            <a:ext cx="4120500" cy="461700"/>
+          </a:xfrm>
+          <a:prstGeom prst="rect">
+            <a:avLst/>
+          </a:prstGeom>
+          <a:noFill/>
+          <a:ln>
+            <a:noFill/>
+          </a:ln>
+        </p:spPr>
+        <p:txBody>
+          <a:bodyPr anchorCtr="0" anchor="t" bIns="91425" lIns="91425" spcFirstLastPara="1" rIns="91425" wrap="square" tIns="91425">
+            <a:spAutoFit/>
+          </a:bodyPr>
+          <a:lstStyle/>
+          <a:p>
+            <a:pPr indent="0" lvl="0" marL="0" rtl="0" algn="l">
+              <a:spcBef>
+                <a:spcPts val="0"/>
+              </a:spcBef>
+              <a:spcAft>
+                <a:spcPts val="0"/>
+              </a:spcAft>
+              <a:buNone/>
+            </a:pPr>
+            <a:r>
+              <a:rPr lang="it" sz="1800">
+                <a:solidFill>
+                  <a:srgbClr val="FF0000"/>
+                </a:solidFill>
+              </a:rPr>
+              <a:t>Results (so far)</a:t>
+            </a:r>
+            <a:endParaRPr sz="1800">
+              <a:solidFill>
+                <a:srgbClr val="FF0000"/>
+              </a:solidFill>
+            </a:endParaRPr>
+          </a:p>
+        </p:txBody>
+      </p:sp>
+      <p:pic>
+        <p:nvPicPr>
+          <p:cNvPr id="268" name="Google Shape;268;p33"/>
+          <p:cNvPicPr preferRelativeResize="0"/>
+          <p:nvPr/>
+        </p:nvPicPr>
+        <p:blipFill>
+          <a:blip r:embed="rId3">
+            <a:alphaModFix/>
+          </a:blip>
+          <a:stretch>
+            <a:fillRect/>
+          </a:stretch>
+        </p:blipFill>
+        <p:spPr>
+          <a:xfrm>
+            <a:off x="1432813" y="1289288"/>
+            <a:ext cx="6278374" cy="2564925"/>
+          </a:xfrm>
+          <a:prstGeom prst="rect">
+            <a:avLst/>
+          </a:prstGeom>
+          <a:noFill/>
+          <a:ln>
+            <a:noFill/>
+          </a:ln>
+        </p:spPr>
+      </p:pic>
+    </p:spTree>
+  </p:cSld>
+  <p:clrMapOvr>
+    <a:masterClrMapping/>
+  </p:clrMapOvr>
+</p:sld>
+</file>
+
+<file path=ppt/slides/slide22.xml><?xml version="1.0" encoding="utf-8"?>
+<p:sld xmlns:a="http://schemas.openxmlformats.org/drawingml/2006/main" xmlns:r="http://schemas.openxmlformats.org/officeDocument/2006/relationships" xmlns:mc="http://schemas.openxmlformats.org/markup-compatibility/2006" xmlns:mv="urn:schemas-microsoft-com:mac:vml" xmlns:p="http://schemas.openxmlformats.org/presentationml/2006/main" xmlns:c="http://schemas.openxmlformats.org/drawingml/2006/chart" xmlns:dgm="http://schemas.openxmlformats.org/drawingml/2006/diagram" xmlns:o="urn:schemas-microsoft-com:office:office" xmlns:v="urn:schemas-microsoft-com:vml" xmlns:pvml="urn:schemas-microsoft-com:office:powerpoint" xmlns:com="http://schemas.openxmlformats.org/drawingml/2006/compatibility" xmlns:p14="http://schemas.microsoft.com/office/powerpoint/2010/main" xmlns:p15="http://schemas.microsoft.com/office/powerpoint/2012/main" xmlns:ahyp="http://schemas.microsoft.com/office/drawing/2018/hyperlinkcolor">
+  <p:cSld>
+    <p:spTree>
+      <p:nvGrpSpPr>
+        <p:cNvPr id="272" name="Shape 272"/>
+        <p:cNvGrpSpPr/>
+        <p:nvPr/>
+      </p:nvGrpSpPr>
+      <p:grpSpPr>
+        <a:xfrm>
+          <a:off x="0" y="0"/>
+          <a:ext cx="0" cy="0"/>
+          <a:chOff x="0" y="0"/>
+          <a:chExt cx="0" cy="0"/>
+        </a:xfrm>
+      </p:grpSpPr>
+      <p:sp>
+        <p:nvSpPr>
+          <p:cNvPr id="273" name="Google Shape;273;p34"/>
+          <p:cNvSpPr txBox="1"/>
+          <p:nvPr/>
+        </p:nvSpPr>
+        <p:spPr>
+          <a:xfrm>
+            <a:off x="364850" y="400625"/>
+            <a:ext cx="4120500" cy="461700"/>
+          </a:xfrm>
+          <a:prstGeom prst="rect">
+            <a:avLst/>
+          </a:prstGeom>
+          <a:noFill/>
+          <a:ln>
+            <a:noFill/>
+          </a:ln>
+        </p:spPr>
+        <p:txBody>
+          <a:bodyPr anchorCtr="0" anchor="t" bIns="91425" lIns="91425" spcFirstLastPara="1" rIns="91425" wrap="square" tIns="91425">
+            <a:spAutoFit/>
+          </a:bodyPr>
+          <a:lstStyle/>
+          <a:p>
+            <a:pPr indent="0" lvl="0" marL="0" rtl="0" algn="l">
+              <a:spcBef>
+                <a:spcPts val="0"/>
+              </a:spcBef>
+              <a:spcAft>
+                <a:spcPts val="0"/>
+              </a:spcAft>
+              <a:buNone/>
+            </a:pPr>
+            <a:r>
+              <a:rPr lang="it" sz="1800">
+                <a:solidFill>
+                  <a:srgbClr val="FF0000"/>
+                </a:solidFill>
+              </a:rPr>
+              <a:t>Results (so far)</a:t>
+            </a:r>
+            <a:endParaRPr sz="1800">
+              <a:solidFill>
+                <a:srgbClr val="FF0000"/>
+              </a:solidFill>
+            </a:endParaRPr>
+          </a:p>
+        </p:txBody>
+      </p:sp>
+      <p:pic>
+        <p:nvPicPr>
+          <p:cNvPr id="274" name="Google Shape;274;p34"/>
+          <p:cNvPicPr preferRelativeResize="0"/>
+          <p:nvPr/>
+        </p:nvPicPr>
+        <p:blipFill>
+          <a:blip r:embed="rId3">
+            <a:alphaModFix/>
+          </a:blip>
+          <a:stretch>
+            <a:fillRect/>
+          </a:stretch>
+        </p:blipFill>
+        <p:spPr>
+          <a:xfrm>
+            <a:off x="1200663" y="1388225"/>
+            <a:ext cx="6742676" cy="2367050"/>
+          </a:xfrm>
+          <a:prstGeom prst="rect">
+            <a:avLst/>
+          </a:prstGeom>
+          <a:noFill/>
+          <a:ln>
+            <a:noFill/>
+          </a:ln>
+        </p:spPr>
+      </p:pic>
+    </p:spTree>
+  </p:cSld>
+  <p:clrMapOvr>
+    <a:masterClrMapping/>
+  </p:clrMapOvr>
+</p:sld>
+</file>
+
+<file path=ppt/slides/slide23.xml><?xml version="1.0" encoding="utf-8"?>
+<p:sld xmlns:a="http://schemas.openxmlformats.org/drawingml/2006/main" xmlns:r="http://schemas.openxmlformats.org/officeDocument/2006/relationships" xmlns:mc="http://schemas.openxmlformats.org/markup-compatibility/2006" xmlns:mv="urn:schemas-microsoft-com:mac:vml" xmlns:p="http://schemas.openxmlformats.org/presentationml/2006/main" xmlns:c="http://schemas.openxmlformats.org/drawingml/2006/chart" xmlns:dgm="http://schemas.openxmlformats.org/drawingml/2006/diagram" xmlns:o="urn:schemas-microsoft-com:office:office" xmlns:v="urn:schemas-microsoft-com:vml" xmlns:pvml="urn:schemas-microsoft-com:office:powerpoint" xmlns:com="http://schemas.openxmlformats.org/drawingml/2006/compatibility" xmlns:p14="http://schemas.microsoft.com/office/powerpoint/2010/main" xmlns:p15="http://schemas.microsoft.com/office/powerpoint/2012/main" xmlns:ahyp="http://schemas.microsoft.com/office/drawing/2018/hyperlinkcolor">
+  <p:cSld>
+    <p:spTree>
+      <p:nvGrpSpPr>
+        <p:cNvPr id="278" name="Shape 278"/>
+        <p:cNvGrpSpPr/>
+        <p:nvPr/>
+      </p:nvGrpSpPr>
+      <p:grpSpPr>
+        <a:xfrm>
+          <a:off x="0" y="0"/>
+          <a:ext cx="0" cy="0"/>
+          <a:chOff x="0" y="0"/>
+          <a:chExt cx="0" cy="0"/>
+        </a:xfrm>
+      </p:grpSpPr>
+      <p:sp>
+        <p:nvSpPr>
+          <p:cNvPr id="279" name="Google Shape;279;p35"/>
+          <p:cNvSpPr txBox="1"/>
+          <p:nvPr/>
+        </p:nvSpPr>
+        <p:spPr>
+          <a:xfrm>
+            <a:off x="364850" y="400625"/>
+            <a:ext cx="4120500" cy="461700"/>
+          </a:xfrm>
+          <a:prstGeom prst="rect">
+            <a:avLst/>
+          </a:prstGeom>
+          <a:noFill/>
+          <a:ln>
+            <a:noFill/>
+          </a:ln>
+        </p:spPr>
+        <p:txBody>
+          <a:bodyPr anchorCtr="0" anchor="t" bIns="91425" lIns="91425" spcFirstLastPara="1" rIns="91425" wrap="square" tIns="91425">
+            <a:spAutoFit/>
+          </a:bodyPr>
+          <a:lstStyle/>
+          <a:p>
+            <a:pPr indent="0" lvl="0" marL="0" rtl="0" algn="l">
+              <a:spcBef>
+                <a:spcPts val="0"/>
+              </a:spcBef>
+              <a:spcAft>
+                <a:spcPts val="0"/>
+              </a:spcAft>
+              <a:buNone/>
+            </a:pPr>
+            <a:r>
+              <a:rPr lang="it" sz="1800">
+                <a:solidFill>
+                  <a:srgbClr val="FF0000"/>
+                </a:solidFill>
+              </a:rPr>
+              <a:t>Results (so far)</a:t>
+            </a:r>
+            <a:endParaRPr sz="1800">
+              <a:solidFill>
+                <a:srgbClr val="FF0000"/>
+              </a:solidFill>
+            </a:endParaRPr>
+          </a:p>
+        </p:txBody>
+      </p:sp>
+      <p:pic>
+        <p:nvPicPr>
+          <p:cNvPr id="280" name="Google Shape;280;p35"/>
+          <p:cNvPicPr preferRelativeResize="0"/>
+          <p:nvPr/>
+        </p:nvPicPr>
+        <p:blipFill>
+          <a:blip r:embed="rId3">
+            <a:alphaModFix/>
+          </a:blip>
+          <a:stretch>
+            <a:fillRect/>
+          </a:stretch>
+        </p:blipFill>
+        <p:spPr>
+          <a:xfrm>
+            <a:off x="1271875" y="1262575"/>
+            <a:ext cx="6600250" cy="2618350"/>
+          </a:xfrm>
+          <a:prstGeom prst="rect">
+            <a:avLst/>
+          </a:prstGeom>
+          <a:noFill/>
+          <a:ln>
+            <a:noFill/>
+          </a:ln>
+        </p:spPr>
+      </p:pic>
+    </p:spTree>
+  </p:cSld>
+  <p:clrMapOvr>
+    <a:masterClrMapping/>
+  </p:clrMapOvr>
+</p:sld>
+</file>
+
+<file path=ppt/slides/slide24.xml><?xml version="1.0" encoding="utf-8"?>
+<p:sld xmlns:a="http://schemas.openxmlformats.org/drawingml/2006/main" xmlns:r="http://schemas.openxmlformats.org/officeDocument/2006/relationships" xmlns:mc="http://schemas.openxmlformats.org/markup-compatibility/2006" xmlns:mv="urn:schemas-microsoft-com:mac:vml" xmlns:p="http://schemas.openxmlformats.org/presentationml/2006/main" xmlns:c="http://schemas.openxmlformats.org/drawingml/2006/chart" xmlns:dgm="http://schemas.openxmlformats.org/drawingml/2006/diagram" xmlns:o="urn:schemas-microsoft-com:office:office" xmlns:v="urn:schemas-microsoft-com:vml" xmlns:pvml="urn:schemas-microsoft-com:office:powerpoint" xmlns:com="http://schemas.openxmlformats.org/drawingml/2006/compatibility" xmlns:p14="http://schemas.microsoft.com/office/powerpoint/2010/main" xmlns:p15="http://schemas.microsoft.com/office/powerpoint/2012/main" xmlns:ahyp="http://schemas.microsoft.com/office/drawing/2018/hyperlinkcolor">
+  <p:cSld>
+    <p:spTree>
+      <p:nvGrpSpPr>
+        <p:cNvPr id="284" name="Shape 284"/>
+        <p:cNvGrpSpPr/>
+        <p:nvPr/>
+      </p:nvGrpSpPr>
+      <p:grpSpPr>
+        <a:xfrm>
+          <a:off x="0" y="0"/>
+          <a:ext cx="0" cy="0"/>
+          <a:chOff x="0" y="0"/>
+          <a:chExt cx="0" cy="0"/>
+        </a:xfrm>
+      </p:grpSpPr>
+      <p:sp>
+        <p:nvSpPr>
+          <p:cNvPr id="285" name="Google Shape;285;p36"/>
+          <p:cNvSpPr txBox="1"/>
+          <p:nvPr/>
+        </p:nvSpPr>
+        <p:spPr>
+          <a:xfrm>
+            <a:off x="364850" y="400625"/>
+            <a:ext cx="4120500" cy="461700"/>
+          </a:xfrm>
+          <a:prstGeom prst="rect">
+            <a:avLst/>
+          </a:prstGeom>
+          <a:noFill/>
+          <a:ln>
+            <a:noFill/>
+          </a:ln>
+        </p:spPr>
+        <p:txBody>
+          <a:bodyPr anchorCtr="0" anchor="t" bIns="91425" lIns="91425" spcFirstLastPara="1" rIns="91425" wrap="square" tIns="91425">
+            <a:spAutoFit/>
+          </a:bodyPr>
+          <a:lstStyle/>
+          <a:p>
+            <a:pPr indent="0" lvl="0" marL="0" rtl="0" algn="l">
+              <a:spcBef>
+                <a:spcPts val="0"/>
+              </a:spcBef>
+              <a:spcAft>
+                <a:spcPts val="0"/>
+              </a:spcAft>
+              <a:buNone/>
+            </a:pPr>
+            <a:r>
+              <a:rPr lang="it" sz="1800">
+                <a:solidFill>
+                  <a:srgbClr val="FF0000"/>
+                </a:solidFill>
+              </a:rPr>
+              <a:t>Results (so far)</a:t>
+            </a:r>
+            <a:endParaRPr sz="1800">
+              <a:solidFill>
+                <a:srgbClr val="FF0000"/>
+              </a:solidFill>
+            </a:endParaRPr>
+          </a:p>
+        </p:txBody>
+      </p:sp>
+      <p:pic>
+        <p:nvPicPr>
+          <p:cNvPr id="286" name="Google Shape;286;p36"/>
+          <p:cNvPicPr preferRelativeResize="0"/>
+          <p:nvPr/>
+        </p:nvPicPr>
+        <p:blipFill>
+          <a:blip r:embed="rId3">
+            <a:alphaModFix/>
+          </a:blip>
+          <a:stretch>
+            <a:fillRect/>
+          </a:stretch>
+        </p:blipFill>
+        <p:spPr>
+          <a:xfrm>
+            <a:off x="1159425" y="1217975"/>
+            <a:ext cx="6825150" cy="2707550"/>
+          </a:xfrm>
+          <a:prstGeom prst="rect">
+            <a:avLst/>
+          </a:prstGeom>
+          <a:noFill/>
+          <a:ln>
+            <a:noFill/>
+          </a:ln>
+        </p:spPr>
+      </p:pic>
+    </p:spTree>
+  </p:cSld>
+  <p:clrMapOvr>
+    <a:masterClrMapping/>
+  </p:clrMapOvr>
+</p:sld>
+</file>
+
+<file path=ppt/slides/slide25.xml><?xml version="1.0" encoding="utf-8"?>
+<p:sld xmlns:a="http://schemas.openxmlformats.org/drawingml/2006/main" xmlns:r="http://schemas.openxmlformats.org/officeDocument/2006/relationships" xmlns:mc="http://schemas.openxmlformats.org/markup-compatibility/2006" xmlns:mv="urn:schemas-microsoft-com:mac:vml" xmlns:p="http://schemas.openxmlformats.org/presentationml/2006/main" xmlns:c="http://schemas.openxmlformats.org/drawingml/2006/chart" xmlns:dgm="http://schemas.openxmlformats.org/drawingml/2006/diagram" xmlns:o="urn:schemas-microsoft-com:office:office" xmlns:v="urn:schemas-microsoft-com:vml" xmlns:pvml="urn:schemas-microsoft-com:office:powerpoint" xmlns:com="http://schemas.openxmlformats.org/drawingml/2006/compatibility" xmlns:p14="http://schemas.microsoft.com/office/powerpoint/2010/main" xmlns:p15="http://schemas.microsoft.com/office/powerpoint/2012/main" xmlns:ahyp="http://schemas.microsoft.com/office/drawing/2018/hyperlinkcolor">
+  <p:cSld>
+    <p:spTree>
+      <p:nvGrpSpPr>
+        <p:cNvPr id="290" name="Shape 290"/>
+        <p:cNvGrpSpPr/>
+        <p:nvPr/>
+      </p:nvGrpSpPr>
+      <p:grpSpPr>
+        <a:xfrm>
+          <a:off x="0" y="0"/>
+          <a:ext cx="0" cy="0"/>
+          <a:chOff x="0" y="0"/>
+          <a:chExt cx="0" cy="0"/>
+        </a:xfrm>
+      </p:grpSpPr>
+      <p:sp>
+        <p:nvSpPr>
+          <p:cNvPr id="291" name="Google Shape;291;p37"/>
+          <p:cNvSpPr txBox="1"/>
+          <p:nvPr/>
+        </p:nvSpPr>
+        <p:spPr>
+          <a:xfrm>
+            <a:off x="364850" y="400625"/>
+            <a:ext cx="4120500" cy="461700"/>
+          </a:xfrm>
+          <a:prstGeom prst="rect">
+            <a:avLst/>
+          </a:prstGeom>
+          <a:noFill/>
+          <a:ln>
+            <a:noFill/>
+          </a:ln>
+        </p:spPr>
+        <p:txBody>
+          <a:bodyPr anchorCtr="0" anchor="t" bIns="91425" lIns="91425" spcFirstLastPara="1" rIns="91425" wrap="square" tIns="91425">
+            <a:spAutoFit/>
+          </a:bodyPr>
+          <a:lstStyle/>
+          <a:p>
+            <a:pPr indent="0" lvl="0" marL="0" rtl="0" algn="l">
+              <a:spcBef>
+                <a:spcPts val="0"/>
+              </a:spcBef>
+              <a:spcAft>
+                <a:spcPts val="0"/>
+              </a:spcAft>
+              <a:buNone/>
+            </a:pPr>
+            <a:r>
+              <a:rPr lang="it" sz="1800">
+                <a:solidFill>
+                  <a:srgbClr val="FF0000"/>
+                </a:solidFill>
+              </a:rPr>
+              <a:t>Results (so far)</a:t>
+            </a:r>
+            <a:endParaRPr sz="1800">
+              <a:solidFill>
+                <a:srgbClr val="FF0000"/>
+              </a:solidFill>
+            </a:endParaRPr>
+          </a:p>
+        </p:txBody>
+      </p:sp>
+      <p:pic>
+        <p:nvPicPr>
+          <p:cNvPr id="292" name="Google Shape;292;p37"/>
+          <p:cNvPicPr preferRelativeResize="0"/>
+          <p:nvPr/>
+        </p:nvPicPr>
+        <p:blipFill>
+          <a:blip r:embed="rId3">
+            <a:alphaModFix/>
+          </a:blip>
+          <a:stretch>
+            <a:fillRect/>
+          </a:stretch>
+        </p:blipFill>
+        <p:spPr>
+          <a:xfrm>
+            <a:off x="1941388" y="1000225"/>
+            <a:ext cx="5261221" cy="3976376"/>
+          </a:xfrm>
+          <a:prstGeom prst="rect">
+            <a:avLst/>
+          </a:prstGeom>
+          <a:noFill/>
+          <a:ln>
+            <a:noFill/>
+          </a:ln>
+        </p:spPr>
+      </p:pic>
+    </p:spTree>
+  </p:cSld>
+  <p:clrMapOvr>
+    <a:masterClrMapping/>
+  </p:clrMapOvr>
+</p:sld>
+</file>
+
+<file path=ppt/slides/slide26.xml><?xml version="1.0" encoding="utf-8"?>
+<p:sld xmlns:a="http://schemas.openxmlformats.org/drawingml/2006/main" xmlns:r="http://schemas.openxmlformats.org/officeDocument/2006/relationships" xmlns:mc="http://schemas.openxmlformats.org/markup-compatibility/2006" xmlns:mv="urn:schemas-microsoft-com:mac:vml" xmlns:p="http://schemas.openxmlformats.org/presentationml/2006/main" xmlns:c="http://schemas.openxmlformats.org/drawingml/2006/chart" xmlns:dgm="http://schemas.openxmlformats.org/drawingml/2006/diagram" xmlns:o="urn:schemas-microsoft-com:office:office" xmlns:v="urn:schemas-microsoft-com:vml" xmlns:pvml="urn:schemas-microsoft-com:office:powerpoint" xmlns:com="http://schemas.openxmlformats.org/drawingml/2006/compatibility" xmlns:p14="http://schemas.microsoft.com/office/powerpoint/2010/main" xmlns:p15="http://schemas.microsoft.com/office/powerpoint/2012/main" xmlns:ahyp="http://schemas.microsoft.com/office/drawing/2018/hyperlinkcolor">
+  <p:cSld>
+    <p:spTree>
+      <p:nvGrpSpPr>
+        <p:cNvPr id="296" name="Shape 296"/>
+        <p:cNvGrpSpPr/>
+        <p:nvPr/>
+      </p:nvGrpSpPr>
+      <p:grpSpPr>
+        <a:xfrm>
+          <a:off x="0" y="0"/>
+          <a:ext cx="0" cy="0"/>
+          <a:chOff x="0" y="0"/>
+          <a:chExt cx="0" cy="0"/>
+        </a:xfrm>
+      </p:grpSpPr>
+      <p:sp>
+        <p:nvSpPr>
+          <p:cNvPr id="297" name="Google Shape;297;p38"/>
+          <p:cNvSpPr txBox="1"/>
+          <p:nvPr/>
+        </p:nvSpPr>
+        <p:spPr>
+          <a:xfrm>
+            <a:off x="364850" y="400625"/>
+            <a:ext cx="4120500" cy="461700"/>
+          </a:xfrm>
+          <a:prstGeom prst="rect">
+            <a:avLst/>
+          </a:prstGeom>
+          <a:noFill/>
+          <a:ln>
+            <a:noFill/>
+          </a:ln>
+        </p:spPr>
+        <p:txBody>
+          <a:bodyPr anchorCtr="0" anchor="t" bIns="91425" lIns="91425" spcFirstLastPara="1" rIns="91425" wrap="square" tIns="91425">
+            <a:spAutoFit/>
+          </a:bodyPr>
+          <a:lstStyle/>
+          <a:p>
+            <a:pPr indent="0" lvl="0" marL="0" rtl="0" algn="l">
+              <a:spcBef>
+                <a:spcPts val="0"/>
+              </a:spcBef>
+              <a:spcAft>
+                <a:spcPts val="0"/>
+              </a:spcAft>
+              <a:buNone/>
+            </a:pPr>
+            <a:r>
+              <a:rPr lang="it" sz="1800">
+                <a:solidFill>
+                  <a:srgbClr val="FF0000"/>
+                </a:solidFill>
+              </a:rPr>
+              <a:t>Results (so far)</a:t>
+            </a:r>
+            <a:endParaRPr sz="1800">
+              <a:solidFill>
+                <a:srgbClr val="FF0000"/>
+              </a:solidFill>
+            </a:endParaRPr>
+          </a:p>
+        </p:txBody>
+      </p:sp>
+      <p:pic>
+        <p:nvPicPr>
+          <p:cNvPr id="298" name="Google Shape;298;p38"/>
+          <p:cNvPicPr preferRelativeResize="0"/>
+          <p:nvPr/>
+        </p:nvPicPr>
+        <p:blipFill>
+          <a:blip r:embed="rId3">
+            <a:alphaModFix/>
+          </a:blip>
+          <a:stretch>
+            <a:fillRect/>
+          </a:stretch>
+        </p:blipFill>
+        <p:spPr>
+          <a:xfrm>
+            <a:off x="1881375" y="920425"/>
+            <a:ext cx="5381238" cy="3976375"/>
+          </a:xfrm>
+          <a:prstGeom prst="rect">
+            <a:avLst/>
+          </a:prstGeom>
+          <a:noFill/>
+          <a:ln>
+            <a:noFill/>
+          </a:ln>
+        </p:spPr>
+      </p:pic>
     </p:spTree>
   </p:cSld>
   <p:clrMapOvr>
